--- a/presentations/weekly_meetings/2024_11_7.pptx
+++ b/presentations/weekly_meetings/2024_11_7.pptx
@@ -5,7 +5,7 @@
     <p:sldMasterId id="2147483648" r:id="rId1"/>
   </p:sldMasterIdLst>
   <p:notesMasterIdLst>
-    <p:notesMasterId r:id="rId14"/>
+    <p:notesMasterId r:id="rId16"/>
   </p:notesMasterIdLst>
   <p:sldIdLst>
     <p:sldId id="477" r:id="rId2"/>
@@ -13,13 +13,15 @@
     <p:sldId id="785" r:id="rId4"/>
     <p:sldId id="789" r:id="rId5"/>
     <p:sldId id="788" r:id="rId6"/>
-    <p:sldId id="790" r:id="rId7"/>
-    <p:sldId id="793" r:id="rId8"/>
-    <p:sldId id="792" r:id="rId9"/>
+    <p:sldId id="577" r:id="rId7"/>
+    <p:sldId id="790" r:id="rId8"/>
+    <p:sldId id="793" r:id="rId9"/>
     <p:sldId id="791" r:id="rId10"/>
     <p:sldId id="787" r:id="rId11"/>
     <p:sldId id="786" r:id="rId12"/>
-    <p:sldId id="577" r:id="rId13"/>
+    <p:sldId id="792" r:id="rId13"/>
+    <p:sldId id="794" r:id="rId14"/>
+    <p:sldId id="795" r:id="rId15"/>
   </p:sldIdLst>
   <p:sldSz cx="12192000" cy="6858000"/>
   <p:notesSz cx="6858000" cy="9144000"/>
@@ -219,7 +221,7 @@
           <a:p>
             <a:fld id="{E933A773-0DCE-3544-BB67-D5FA58DF903C}" type="datetimeFigureOut">
               <a:rPr lang="en-US" smtClean="0"/>
-              <a:t>11/1/24</a:t>
+              <a:t>11/5/24</a:t>
             </a:fld>
             <a:endParaRPr lang="en-US"/>
           </a:p>
@@ -783,7 +785,18 @@
               <a:tabLst/>
               <a:defRPr/>
             </a:pPr>
-            <a:endParaRPr lang="en-US" b="0" dirty="0"/>
+            <a:r>
+              <a:rPr lang="en-US" b="1" dirty="0"/>
+              <a:t>Have been having </a:t>
+            </a:r>
+            <a:r>
+              <a:rPr lang="en-US" b="1" dirty="0" err="1"/>
+              <a:t>rstudio</a:t>
+            </a:r>
+            <a:r>
+              <a:rPr lang="en-US" b="1" dirty="0"/>
+              <a:t> server issues…</a:t>
+            </a:r>
           </a:p>
         </p:txBody>
       </p:sp>
@@ -837,7 +850,7 @@
         <p:cNvPr id="1" name="">
           <a:extLst>
             <a:ext uri="{FF2B5EF4-FFF2-40B4-BE49-F238E27FC236}">
-              <a16:creationId xmlns:a16="http://schemas.microsoft.com/office/drawing/2014/main" id="{B71487DB-6705-F2AF-86E7-5DA8615FD825}"/>
+              <a16:creationId xmlns:a16="http://schemas.microsoft.com/office/drawing/2014/main" id="{FB1C3CA1-AC1F-8BE4-2805-A4F1205F0C42}"/>
             </a:ext>
           </a:extLst>
         </p:cNvPr>
@@ -857,7 +870,7 @@
           <p:cNvPr id="2" name="Slide Image Placeholder 1">
             <a:extLst>
               <a:ext uri="{FF2B5EF4-FFF2-40B4-BE49-F238E27FC236}">
-                <a16:creationId xmlns:a16="http://schemas.microsoft.com/office/drawing/2014/main" id="{0FB9311B-4246-B460-13C8-22E061E01215}"/>
+                <a16:creationId xmlns:a16="http://schemas.microsoft.com/office/drawing/2014/main" id="{1ADAFAC8-2DE8-966A-2DCC-3BFEF79D7255}"/>
               </a:ext>
             </a:extLst>
           </p:cNvPr>
@@ -875,7 +888,409 @@
           <p:cNvPr id="3" name="Notes Placeholder 2">
             <a:extLst>
               <a:ext uri="{FF2B5EF4-FFF2-40B4-BE49-F238E27FC236}">
-                <a16:creationId xmlns:a16="http://schemas.microsoft.com/office/drawing/2014/main" id="{1DA41530-231B-FBC6-4112-E645D9E1953E}"/>
+                <a16:creationId xmlns:a16="http://schemas.microsoft.com/office/drawing/2014/main" id="{F85DCFB9-536D-8FD9-B7AF-DBE7323C12A9}"/>
+              </a:ext>
+            </a:extLst>
+          </p:cNvPr>
+          <p:cNvSpPr>
+            <a:spLocks noGrp="1"/>
+          </p:cNvSpPr>
+          <p:nvPr>
+            <p:ph type="body" idx="1"/>
+          </p:nvPr>
+        </p:nvSpPr>
+        <p:spPr/>
+        <p:txBody>
+          <a:bodyPr/>
+          <a:lstStyle/>
+          <a:p>
+            <a:pPr marL="0" marR="0" lvl="0" indent="0" algn="l" defTabSz="914400" rtl="0" eaLnBrk="1" fontAlgn="auto" latinLnBrk="0" hangingPunct="1">
+              <a:lnSpc>
+                <a:spcPct val="100000"/>
+              </a:lnSpc>
+              <a:spcBef>
+                <a:spcPts val="0"/>
+              </a:spcBef>
+              <a:spcAft>
+                <a:spcPts val="0"/>
+              </a:spcAft>
+              <a:buClrTx/>
+              <a:buSzTx/>
+              <a:buFont typeface="+mj-lt"/>
+              <a:buNone/>
+              <a:tabLst/>
+              <a:defRPr/>
+            </a:pPr>
+            <a:r>
+              <a:rPr lang="en-US" b="0" i="0" u="none" strike="noStrike" dirty="0">
+                <a:solidFill>
+                  <a:srgbClr val="000000"/>
+                </a:solidFill>
+                <a:effectLst/>
+                <a:latin typeface="-webkit-standard"/>
+              </a:rPr>
+              <a:t>Batch regressed out here</a:t>
+            </a:r>
+            <a:endParaRPr lang="en-US" b="0" i="0" u="none" strike="noStrike" dirty="0">
+              <a:solidFill>
+                <a:srgbClr val="212121"/>
+              </a:solidFill>
+              <a:effectLst/>
+              <a:latin typeface="Cambria" panose="02040503050406030204" pitchFamily="18" charset="0"/>
+            </a:endParaRPr>
+          </a:p>
+        </p:txBody>
+      </p:sp>
+      <p:sp>
+        <p:nvSpPr>
+          <p:cNvPr id="4" name="Slide Number Placeholder 3">
+            <a:extLst>
+              <a:ext uri="{FF2B5EF4-FFF2-40B4-BE49-F238E27FC236}">
+                <a16:creationId xmlns:a16="http://schemas.microsoft.com/office/drawing/2014/main" id="{B9680E9C-1F96-8559-B160-6EEECC83B117}"/>
+              </a:ext>
+            </a:extLst>
+          </p:cNvPr>
+          <p:cNvSpPr>
+            <a:spLocks noGrp="1"/>
+          </p:cNvSpPr>
+          <p:nvPr>
+            <p:ph type="sldNum" sz="quarter" idx="5"/>
+          </p:nvPr>
+        </p:nvSpPr>
+        <p:spPr/>
+        <p:txBody>
+          <a:bodyPr/>
+          <a:lstStyle/>
+          <a:p>
+            <a:fld id="{061BAA8C-FDC6-D345-B4E0-3B02449209FB}" type="slidenum">
+              <a:rPr lang="en-US" smtClean="0"/>
+              <a:t>12</a:t>
+            </a:fld>
+            <a:endParaRPr lang="en-US"/>
+          </a:p>
+        </p:txBody>
+      </p:sp>
+    </p:spTree>
+    <p:extLst>
+      <p:ext uri="{BB962C8B-B14F-4D97-AF65-F5344CB8AC3E}">
+        <p14:creationId xmlns:p14="http://schemas.microsoft.com/office/powerpoint/2010/main" val="252472506"/>
+      </p:ext>
+    </p:extLst>
+  </p:cSld>
+  <p:clrMapOvr>
+    <a:masterClrMapping/>
+  </p:clrMapOvr>
+</p:notes>
+</file>
+
+<file path=ppt/notesSlides/notesSlide13.xml><?xml version="1.0" encoding="utf-8"?>
+<p:notes xmlns:a="http://schemas.openxmlformats.org/drawingml/2006/main" xmlns:r="http://schemas.openxmlformats.org/officeDocument/2006/relationships" xmlns:p="http://schemas.openxmlformats.org/presentationml/2006/main">
+  <p:cSld>
+    <p:spTree>
+      <p:nvGrpSpPr>
+        <p:cNvPr id="1" name="">
+          <a:extLst>
+            <a:ext uri="{FF2B5EF4-FFF2-40B4-BE49-F238E27FC236}">
+              <a16:creationId xmlns:a16="http://schemas.microsoft.com/office/drawing/2014/main" id="{70B8FF97-04F1-8E66-CF9C-4A39842A712E}"/>
+            </a:ext>
+          </a:extLst>
+        </p:cNvPr>
+        <p:cNvGrpSpPr/>
+        <p:nvPr/>
+      </p:nvGrpSpPr>
+      <p:grpSpPr>
+        <a:xfrm>
+          <a:off x="0" y="0"/>
+          <a:ext cx="0" cy="0"/>
+          <a:chOff x="0" y="0"/>
+          <a:chExt cx="0" cy="0"/>
+        </a:xfrm>
+      </p:grpSpPr>
+      <p:sp>
+        <p:nvSpPr>
+          <p:cNvPr id="2" name="Slide Image Placeholder 1">
+            <a:extLst>
+              <a:ext uri="{FF2B5EF4-FFF2-40B4-BE49-F238E27FC236}">
+                <a16:creationId xmlns:a16="http://schemas.microsoft.com/office/drawing/2014/main" id="{04AE68D5-1096-5B5D-F88D-3D25B1FDC875}"/>
+              </a:ext>
+            </a:extLst>
+          </p:cNvPr>
+          <p:cNvSpPr>
+            <a:spLocks noGrp="1" noRot="1" noChangeAspect="1"/>
+          </p:cNvSpPr>
+          <p:nvPr>
+            <p:ph type="sldImg"/>
+          </p:nvPr>
+        </p:nvSpPr>
+        <p:spPr/>
+      </p:sp>
+      <p:sp>
+        <p:nvSpPr>
+          <p:cNvPr id="3" name="Notes Placeholder 2">
+            <a:extLst>
+              <a:ext uri="{FF2B5EF4-FFF2-40B4-BE49-F238E27FC236}">
+                <a16:creationId xmlns:a16="http://schemas.microsoft.com/office/drawing/2014/main" id="{AA6BE3B3-CD36-BC67-405A-D31403CF675E}"/>
+              </a:ext>
+            </a:extLst>
+          </p:cNvPr>
+          <p:cNvSpPr>
+            <a:spLocks noGrp="1"/>
+          </p:cNvSpPr>
+          <p:nvPr>
+            <p:ph type="body" idx="1"/>
+          </p:nvPr>
+        </p:nvSpPr>
+        <p:spPr/>
+        <p:txBody>
+          <a:bodyPr/>
+          <a:lstStyle/>
+          <a:p>
+            <a:pPr marL="0" marR="0" lvl="0" indent="0" algn="l" defTabSz="914400" rtl="0" eaLnBrk="1" fontAlgn="auto" latinLnBrk="0" hangingPunct="1">
+              <a:lnSpc>
+                <a:spcPct val="100000"/>
+              </a:lnSpc>
+              <a:spcBef>
+                <a:spcPts val="0"/>
+              </a:spcBef>
+              <a:spcAft>
+                <a:spcPts val="0"/>
+              </a:spcAft>
+              <a:buClrTx/>
+              <a:buSzTx/>
+              <a:buFont typeface="+mj-lt"/>
+              <a:buNone/>
+              <a:tabLst/>
+              <a:defRPr/>
+            </a:pPr>
+            <a:r>
+              <a:rPr lang="en-US" b="0" i="0" u="none" strike="noStrike" dirty="0">
+                <a:solidFill>
+                  <a:srgbClr val="212121"/>
+                </a:solidFill>
+                <a:effectLst/>
+                <a:latin typeface="Cambria" panose="02040503050406030204" pitchFamily="18" charset="0"/>
+              </a:rPr>
+              <a:t>Much less drastic differences if using Simpson diversity, which is less sensitive to rare clonotypes…</a:t>
+            </a:r>
+          </a:p>
+          <a:p>
+            <a:pPr marL="0" marR="0" lvl="0" indent="0" algn="l" defTabSz="914400" rtl="0" eaLnBrk="1" fontAlgn="auto" latinLnBrk="0" hangingPunct="1">
+              <a:lnSpc>
+                <a:spcPct val="100000"/>
+              </a:lnSpc>
+              <a:spcBef>
+                <a:spcPts val="0"/>
+              </a:spcBef>
+              <a:spcAft>
+                <a:spcPts val="0"/>
+              </a:spcAft>
+              <a:buClrTx/>
+              <a:buSzTx/>
+              <a:buFont typeface="+mj-lt"/>
+              <a:buNone/>
+              <a:tabLst/>
+              <a:defRPr/>
+            </a:pPr>
+            <a:endParaRPr lang="en-US" b="0" i="0" u="none" strike="noStrike" dirty="0">
+              <a:solidFill>
+                <a:srgbClr val="212121"/>
+              </a:solidFill>
+              <a:effectLst/>
+              <a:latin typeface="Cambria" panose="02040503050406030204" pitchFamily="18" charset="0"/>
+            </a:endParaRPr>
+          </a:p>
+          <a:p>
+            <a:pPr marL="0" marR="0" lvl="0" indent="0" algn="l" defTabSz="914400" rtl="0" eaLnBrk="1" fontAlgn="auto" latinLnBrk="0" hangingPunct="1">
+              <a:lnSpc>
+                <a:spcPct val="100000"/>
+              </a:lnSpc>
+              <a:spcBef>
+                <a:spcPts val="0"/>
+              </a:spcBef>
+              <a:spcAft>
+                <a:spcPts val="0"/>
+              </a:spcAft>
+              <a:buClrTx/>
+              <a:buSzTx/>
+              <a:buFont typeface="+mj-lt"/>
+              <a:buNone/>
+              <a:tabLst/>
+              <a:defRPr/>
+            </a:pPr>
+            <a:r>
+              <a:rPr lang="en-US" b="0" i="0" u="none" strike="noStrike" dirty="0">
+                <a:solidFill>
+                  <a:srgbClr val="212121"/>
+                </a:solidFill>
+                <a:effectLst/>
+                <a:latin typeface="Cambria" panose="02040503050406030204" pitchFamily="18" charset="0"/>
+              </a:rPr>
+              <a:t>Shannon entropy/diversity same thing…</a:t>
+            </a:r>
+          </a:p>
+          <a:p>
+            <a:pPr marL="0" marR="0" lvl="0" indent="0" algn="l" defTabSz="914400" rtl="0" eaLnBrk="1" fontAlgn="auto" latinLnBrk="0" hangingPunct="1">
+              <a:lnSpc>
+                <a:spcPct val="100000"/>
+              </a:lnSpc>
+              <a:spcBef>
+                <a:spcPts val="0"/>
+              </a:spcBef>
+              <a:spcAft>
+                <a:spcPts val="0"/>
+              </a:spcAft>
+              <a:buClrTx/>
+              <a:buSzTx/>
+              <a:buFont typeface="+mj-lt"/>
+              <a:buNone/>
+              <a:tabLst/>
+              <a:defRPr/>
+            </a:pPr>
+            <a:endParaRPr lang="en-US" b="0" i="0" u="none" strike="noStrike" dirty="0">
+              <a:solidFill>
+                <a:srgbClr val="212121"/>
+              </a:solidFill>
+              <a:effectLst/>
+              <a:latin typeface="Cambria" panose="02040503050406030204" pitchFamily="18" charset="0"/>
+            </a:endParaRPr>
+          </a:p>
+          <a:p>
+            <a:pPr marL="0" marR="0" lvl="0" indent="0" algn="l" defTabSz="914400" rtl="0" eaLnBrk="1" fontAlgn="auto" latinLnBrk="0" hangingPunct="1">
+              <a:lnSpc>
+                <a:spcPct val="100000"/>
+              </a:lnSpc>
+              <a:spcBef>
+                <a:spcPts val="0"/>
+              </a:spcBef>
+              <a:spcAft>
+                <a:spcPts val="0"/>
+              </a:spcAft>
+              <a:buClrTx/>
+              <a:buSzTx/>
+              <a:buFont typeface="+mj-lt"/>
+              <a:buNone/>
+              <a:tabLst/>
+              <a:defRPr/>
+            </a:pPr>
+            <a:r>
+              <a:rPr lang="en-US" b="1" i="0" u="none" strike="noStrike" dirty="0">
+                <a:solidFill>
+                  <a:srgbClr val="212121"/>
+                </a:solidFill>
+                <a:effectLst/>
+                <a:latin typeface="Cambria" panose="02040503050406030204" pitchFamily="18" charset="0"/>
+              </a:rPr>
+              <a:t>Consistent with use of </a:t>
+            </a:r>
+            <a:r>
+              <a:rPr lang="en-US" b="1" i="0" u="none" strike="noStrike" dirty="0">
+                <a:solidFill>
+                  <a:srgbClr val="1B1B1B"/>
+                </a:solidFill>
+                <a:effectLst/>
+                <a:latin typeface="Cambria" panose="02040503050406030204" pitchFamily="18" charset="0"/>
+              </a:rPr>
+              <a:t>CD57 as a marker of antigen experience</a:t>
+            </a:r>
+            <a:endParaRPr lang="en-US" b="1" i="0" u="none" strike="noStrike" dirty="0">
+              <a:solidFill>
+                <a:srgbClr val="212121"/>
+              </a:solidFill>
+              <a:effectLst/>
+              <a:latin typeface="Cambria" panose="02040503050406030204" pitchFamily="18" charset="0"/>
+            </a:endParaRPr>
+          </a:p>
+        </p:txBody>
+      </p:sp>
+      <p:sp>
+        <p:nvSpPr>
+          <p:cNvPr id="4" name="Slide Number Placeholder 3">
+            <a:extLst>
+              <a:ext uri="{FF2B5EF4-FFF2-40B4-BE49-F238E27FC236}">
+                <a16:creationId xmlns:a16="http://schemas.microsoft.com/office/drawing/2014/main" id="{53AC97C2-B3EA-E297-8FCB-DB7A745F9573}"/>
+              </a:ext>
+            </a:extLst>
+          </p:cNvPr>
+          <p:cNvSpPr>
+            <a:spLocks noGrp="1"/>
+          </p:cNvSpPr>
+          <p:nvPr>
+            <p:ph type="sldNum" sz="quarter" idx="5"/>
+          </p:nvPr>
+        </p:nvSpPr>
+        <p:spPr/>
+        <p:txBody>
+          <a:bodyPr/>
+          <a:lstStyle/>
+          <a:p>
+            <a:fld id="{061BAA8C-FDC6-D345-B4E0-3B02449209FB}" type="slidenum">
+              <a:rPr lang="en-US" smtClean="0"/>
+              <a:t>13</a:t>
+            </a:fld>
+            <a:endParaRPr lang="en-US"/>
+          </a:p>
+        </p:txBody>
+      </p:sp>
+    </p:spTree>
+    <p:extLst>
+      <p:ext uri="{BB962C8B-B14F-4D97-AF65-F5344CB8AC3E}">
+        <p14:creationId xmlns:p14="http://schemas.microsoft.com/office/powerpoint/2010/main" val="3033865991"/>
+      </p:ext>
+    </p:extLst>
+  </p:cSld>
+  <p:clrMapOvr>
+    <a:masterClrMapping/>
+  </p:clrMapOvr>
+</p:notes>
+</file>
+
+<file path=ppt/notesSlides/notesSlide14.xml><?xml version="1.0" encoding="utf-8"?>
+<p:notes xmlns:a="http://schemas.openxmlformats.org/drawingml/2006/main" xmlns:r="http://schemas.openxmlformats.org/officeDocument/2006/relationships" xmlns:p="http://schemas.openxmlformats.org/presentationml/2006/main">
+  <p:cSld>
+    <p:spTree>
+      <p:nvGrpSpPr>
+        <p:cNvPr id="1" name="">
+          <a:extLst>
+            <a:ext uri="{FF2B5EF4-FFF2-40B4-BE49-F238E27FC236}">
+              <a16:creationId xmlns:a16="http://schemas.microsoft.com/office/drawing/2014/main" id="{300EFAA8-4883-DA6A-39E3-06493A42D7F2}"/>
+            </a:ext>
+          </a:extLst>
+        </p:cNvPr>
+        <p:cNvGrpSpPr/>
+        <p:nvPr/>
+      </p:nvGrpSpPr>
+      <p:grpSpPr>
+        <a:xfrm>
+          <a:off x="0" y="0"/>
+          <a:ext cx="0" cy="0"/>
+          <a:chOff x="0" y="0"/>
+          <a:chExt cx="0" cy="0"/>
+        </a:xfrm>
+      </p:grpSpPr>
+      <p:sp>
+        <p:nvSpPr>
+          <p:cNvPr id="2" name="Slide Image Placeholder 1">
+            <a:extLst>
+              <a:ext uri="{FF2B5EF4-FFF2-40B4-BE49-F238E27FC236}">
+                <a16:creationId xmlns:a16="http://schemas.microsoft.com/office/drawing/2014/main" id="{3E75F28F-2075-F1BF-863C-DDA78B2066F0}"/>
+              </a:ext>
+            </a:extLst>
+          </p:cNvPr>
+          <p:cNvSpPr>
+            <a:spLocks noGrp="1" noRot="1" noChangeAspect="1"/>
+          </p:cNvSpPr>
+          <p:nvPr>
+            <p:ph type="sldImg"/>
+          </p:nvPr>
+        </p:nvSpPr>
+        <p:spPr/>
+      </p:sp>
+      <p:sp>
+        <p:nvSpPr>
+          <p:cNvPr id="3" name="Notes Placeholder 2">
+            <a:extLst>
+              <a:ext uri="{FF2B5EF4-FFF2-40B4-BE49-F238E27FC236}">
+                <a16:creationId xmlns:a16="http://schemas.microsoft.com/office/drawing/2014/main" id="{0950200B-412B-A2F4-29D0-D108AFE5D234}"/>
               </a:ext>
             </a:extLst>
           </p:cNvPr>
@@ -1121,7 +1536,7 @@
           <p:cNvPr id="4" name="Slide Number Placeholder 3">
             <a:extLst>
               <a:ext uri="{FF2B5EF4-FFF2-40B4-BE49-F238E27FC236}">
-                <a16:creationId xmlns:a16="http://schemas.microsoft.com/office/drawing/2014/main" id="{09F08BD6-48A6-BFDA-1610-490008E6AF16}"/>
+                <a16:creationId xmlns:a16="http://schemas.microsoft.com/office/drawing/2014/main" id="{0BA48817-3DA9-106E-55EF-EDA566E2CD96}"/>
               </a:ext>
             </a:extLst>
           </p:cNvPr>
@@ -1139,7 +1554,7 @@
           <a:p>
             <a:fld id="{061BAA8C-FDC6-D345-B4E0-3B02449209FB}" type="slidenum">
               <a:rPr lang="en-US" smtClean="0"/>
-              <a:t>12</a:t>
+              <a:t>14</a:t>
             </a:fld>
             <a:endParaRPr lang="en-US"/>
           </a:p>
@@ -1148,7 +1563,7 @@
     </p:spTree>
     <p:extLst>
       <p:ext uri="{BB962C8B-B14F-4D97-AF65-F5344CB8AC3E}">
-        <p14:creationId xmlns:p14="http://schemas.microsoft.com/office/powerpoint/2010/main" val="4138036625"/>
+        <p14:creationId xmlns:p14="http://schemas.microsoft.com/office/powerpoint/2010/main" val="4075607155"/>
       </p:ext>
     </p:extLst>
   </p:cSld>
@@ -1376,27 +1791,17 @@
                 <a:effectLst/>
                 <a:latin typeface="Cambria" panose="02040503050406030204" pitchFamily="18" charset="0"/>
               </a:rPr>
-              <a:t>1) similar levels of total/</a:t>
-            </a:r>
-            <a:r>
-              <a:rPr lang="en-US" b="0" i="0" u="none" strike="noStrike" dirty="0" err="1">
+              <a:t>1) </a:t>
+            </a:r>
+            <a:r>
+              <a:rPr lang="en-US" b="1" i="0" u="none" strike="noStrike" dirty="0">
                 <a:solidFill>
                   <a:srgbClr val="212121"/>
                 </a:solidFill>
                 <a:effectLst/>
                 <a:latin typeface="Cambria" panose="02040503050406030204" pitchFamily="18" charset="0"/>
               </a:rPr>
-              <a:t>unqiue</a:t>
-            </a:r>
-            <a:r>
-              <a:rPr lang="en-US" b="0" i="0" u="none" strike="noStrike" dirty="0">
-                <a:solidFill>
-                  <a:srgbClr val="212121"/>
-                </a:solidFill>
-                <a:effectLst/>
-                <a:latin typeface="Cambria" panose="02040503050406030204" pitchFamily="18" charset="0"/>
-              </a:rPr>
-              <a:t> SNVs</a:t>
+              <a:t>DN slightly higher for total SNVs, ~similar for unique SNVs</a:t>
             </a:r>
           </a:p>
           <a:p>
@@ -1829,6 +2234,177 @@
         <p:cNvPr id="1" name="">
           <a:extLst>
             <a:ext uri="{FF2B5EF4-FFF2-40B4-BE49-F238E27FC236}">
+              <a16:creationId xmlns:a16="http://schemas.microsoft.com/office/drawing/2014/main" id="{B71487DB-6705-F2AF-86E7-5DA8615FD825}"/>
+            </a:ext>
+          </a:extLst>
+        </p:cNvPr>
+        <p:cNvGrpSpPr/>
+        <p:nvPr/>
+      </p:nvGrpSpPr>
+      <p:grpSpPr>
+        <a:xfrm>
+          <a:off x="0" y="0"/>
+          <a:ext cx="0" cy="0"/>
+          <a:chOff x="0" y="0"/>
+          <a:chExt cx="0" cy="0"/>
+        </a:xfrm>
+      </p:grpSpPr>
+      <p:sp>
+        <p:nvSpPr>
+          <p:cNvPr id="2" name="Slide Image Placeholder 1">
+            <a:extLst>
+              <a:ext uri="{FF2B5EF4-FFF2-40B4-BE49-F238E27FC236}">
+                <a16:creationId xmlns:a16="http://schemas.microsoft.com/office/drawing/2014/main" id="{0FB9311B-4246-B460-13C8-22E061E01215}"/>
+              </a:ext>
+            </a:extLst>
+          </p:cNvPr>
+          <p:cNvSpPr>
+            <a:spLocks noGrp="1" noRot="1" noChangeAspect="1"/>
+          </p:cNvSpPr>
+          <p:nvPr>
+            <p:ph type="sldImg"/>
+          </p:nvPr>
+        </p:nvSpPr>
+        <p:spPr/>
+      </p:sp>
+      <p:sp>
+        <p:nvSpPr>
+          <p:cNvPr id="3" name="Notes Placeholder 2">
+            <a:extLst>
+              <a:ext uri="{FF2B5EF4-FFF2-40B4-BE49-F238E27FC236}">
+                <a16:creationId xmlns:a16="http://schemas.microsoft.com/office/drawing/2014/main" id="{1DA41530-231B-FBC6-4112-E645D9E1953E}"/>
+              </a:ext>
+            </a:extLst>
+          </p:cNvPr>
+          <p:cNvSpPr>
+            <a:spLocks noGrp="1"/>
+          </p:cNvSpPr>
+          <p:nvPr>
+            <p:ph type="body" idx="1"/>
+          </p:nvPr>
+        </p:nvSpPr>
+        <p:spPr/>
+        <p:txBody>
+          <a:bodyPr/>
+          <a:lstStyle/>
+          <a:p>
+            <a:pPr marL="0" marR="0" lvl="0" indent="0" algn="l" defTabSz="914400" rtl="0" eaLnBrk="1" fontAlgn="auto" latinLnBrk="0" hangingPunct="1">
+              <a:lnSpc>
+                <a:spcPct val="100000"/>
+              </a:lnSpc>
+              <a:spcBef>
+                <a:spcPts val="0"/>
+              </a:spcBef>
+              <a:spcAft>
+                <a:spcPts val="0"/>
+              </a:spcAft>
+              <a:buClrTx/>
+              <a:buSzTx/>
+              <a:buFontTx/>
+              <a:buNone/>
+              <a:tabLst/>
+              <a:defRPr/>
+            </a:pPr>
+            <a:r>
+              <a:rPr lang="en-US" dirty="0"/>
+              <a:t>subpopulations significantly different in PCs 1-2 (p &lt; 0.001)</a:t>
+            </a:r>
+          </a:p>
+          <a:p>
+            <a:pPr marL="0" marR="0" lvl="0" indent="0" algn="l" defTabSz="914400" rtl="0" eaLnBrk="1" fontAlgn="auto" latinLnBrk="0" hangingPunct="1">
+              <a:lnSpc>
+                <a:spcPct val="100000"/>
+              </a:lnSpc>
+              <a:spcBef>
+                <a:spcPts val="0"/>
+              </a:spcBef>
+              <a:spcAft>
+                <a:spcPts val="0"/>
+              </a:spcAft>
+              <a:buClrTx/>
+              <a:buSzTx/>
+              <a:buFontTx/>
+              <a:buNone/>
+              <a:tabLst/>
+              <a:defRPr/>
+            </a:pPr>
+            <a:endParaRPr lang="en-US" dirty="0"/>
+          </a:p>
+          <a:p>
+            <a:pPr marL="0" marR="0" lvl="0" indent="0" algn="l" defTabSz="914400" rtl="0" eaLnBrk="1" fontAlgn="auto" latinLnBrk="0" hangingPunct="1">
+              <a:lnSpc>
+                <a:spcPct val="100000"/>
+              </a:lnSpc>
+              <a:spcBef>
+                <a:spcPts val="0"/>
+              </a:spcBef>
+              <a:spcAft>
+                <a:spcPts val="0"/>
+              </a:spcAft>
+              <a:buClrTx/>
+              <a:buSzTx/>
+              <a:buFontTx/>
+              <a:buNone/>
+              <a:tabLst/>
+              <a:defRPr/>
+            </a:pPr>
+            <a:r>
+              <a:rPr lang="en-US" dirty="0"/>
+              <a:t>Left, regressing out R/NR, right regressing out sort</a:t>
+            </a:r>
+          </a:p>
+        </p:txBody>
+      </p:sp>
+      <p:sp>
+        <p:nvSpPr>
+          <p:cNvPr id="4" name="Slide Number Placeholder 3">
+            <a:extLst>
+              <a:ext uri="{FF2B5EF4-FFF2-40B4-BE49-F238E27FC236}">
+                <a16:creationId xmlns:a16="http://schemas.microsoft.com/office/drawing/2014/main" id="{09F08BD6-48A6-BFDA-1610-490008E6AF16}"/>
+              </a:ext>
+            </a:extLst>
+          </p:cNvPr>
+          <p:cNvSpPr>
+            <a:spLocks noGrp="1"/>
+          </p:cNvSpPr>
+          <p:nvPr>
+            <p:ph type="sldNum" sz="quarter" idx="5"/>
+          </p:nvPr>
+        </p:nvSpPr>
+        <p:spPr/>
+        <p:txBody>
+          <a:bodyPr/>
+          <a:lstStyle/>
+          <a:p>
+            <a:fld id="{061BAA8C-FDC6-D345-B4E0-3B02449209FB}" type="slidenum">
+              <a:rPr lang="en-US" smtClean="0"/>
+              <a:t>6</a:t>
+            </a:fld>
+            <a:endParaRPr lang="en-US"/>
+          </a:p>
+        </p:txBody>
+      </p:sp>
+    </p:spTree>
+    <p:extLst>
+      <p:ext uri="{BB962C8B-B14F-4D97-AF65-F5344CB8AC3E}">
+        <p14:creationId xmlns:p14="http://schemas.microsoft.com/office/powerpoint/2010/main" val="3323463936"/>
+      </p:ext>
+    </p:extLst>
+  </p:cSld>
+  <p:clrMapOvr>
+    <a:masterClrMapping/>
+  </p:clrMapOvr>
+</p:notes>
+</file>
+
+<file path=ppt/notesSlides/notesSlide7.xml><?xml version="1.0" encoding="utf-8"?>
+<p:notes xmlns:a="http://schemas.openxmlformats.org/drawingml/2006/main" xmlns:r="http://schemas.openxmlformats.org/officeDocument/2006/relationships" xmlns:p="http://schemas.openxmlformats.org/presentationml/2006/main">
+  <p:cSld>
+    <p:spTree>
+      <p:nvGrpSpPr>
+        <p:cNvPr id="1" name="">
+          <a:extLst>
+            <a:ext uri="{FF2B5EF4-FFF2-40B4-BE49-F238E27FC236}">
               <a16:creationId xmlns:a16="http://schemas.microsoft.com/office/drawing/2014/main" id="{E73CA3A2-AF81-8C62-54AB-F355419991A2}"/>
             </a:ext>
           </a:extLst>
@@ -1908,25 +2484,28 @@
                 <a:effectLst/>
                 <a:latin typeface="-webkit-standard"/>
               </a:rPr>
-              <a:t>Batch regressed </a:t>
-            </a:r>
-            <a:r>
-              <a:rPr lang="en-US" b="0" i="0" u="none" strike="noStrike">
+              <a:t>Batch regressed out here, </a:t>
+            </a:r>
+            <a:r>
+              <a:rPr lang="en-US" b="0" i="0" u="none" strike="noStrike" dirty="0" err="1">
                 <a:solidFill>
                   <a:srgbClr val="000000"/>
                 </a:solidFill>
                 <a:effectLst/>
                 <a:latin typeface="-webkit-standard"/>
               </a:rPr>
-              <a:t>out here</a:t>
-            </a:r>
-            <a:endParaRPr lang="en-US" b="0" i="0" u="none" strike="noStrike" dirty="0">
-              <a:solidFill>
-                <a:srgbClr val="000000"/>
-              </a:solidFill>
-              <a:effectLst/>
-              <a:latin typeface="-webkit-standard"/>
-            </a:endParaRPr>
+              <a:t>logit+zscore</a:t>
+            </a:r>
+            <a:r>
+              <a:rPr lang="en-US" b="0" i="0" u="none" strike="noStrike" dirty="0">
+                <a:solidFill>
+                  <a:srgbClr val="000000"/>
+                </a:solidFill>
+                <a:effectLst/>
+                <a:latin typeface="-webkit-standard"/>
+              </a:rPr>
+              <a:t> (which ~changed CD38 interpretation a bit maybe)</a:t>
+            </a:r>
           </a:p>
         </p:txBody>
       </p:sp>
@@ -1953,7 +2532,7 @@
           <a:p>
             <a:fld id="{061BAA8C-FDC6-D345-B4E0-3B02449209FB}" type="slidenum">
               <a:rPr lang="en-US" smtClean="0"/>
-              <a:t>6</a:t>
+              <a:t>7</a:t>
             </a:fld>
             <a:endParaRPr lang="en-US"/>
           </a:p>
@@ -1972,7 +2551,7 @@
 </p:notes>
 </file>
 
-<file path=ppt/notesSlides/notesSlide7.xml><?xml version="1.0" encoding="utf-8"?>
+<file path=ppt/notesSlides/notesSlide8.xml><?xml version="1.0" encoding="utf-8"?>
 <p:notes xmlns:a="http://schemas.openxmlformats.org/drawingml/2006/main" xmlns:r="http://schemas.openxmlformats.org/officeDocument/2006/relationships" xmlns:p="http://schemas.openxmlformats.org/presentationml/2006/main">
   <p:cSld>
     <p:spTree>
@@ -2271,111 +2850,6 @@
               <a:t>logit = ln(x/(1-x)) where 0&lt;x&lt;1 (so decimals of %s). when x = 0.5 logit(x) = 0, when x approaches 0 logit(x) approaches -inf, when x approaches 1 logit(x) approaches +inf</a:t>
             </a:r>
           </a:p>
-        </p:txBody>
-      </p:sp>
-      <p:sp>
-        <p:nvSpPr>
-          <p:cNvPr id="4" name="Slide Number Placeholder 3">
-            <a:extLst>
-              <a:ext uri="{FF2B5EF4-FFF2-40B4-BE49-F238E27FC236}">
-                <a16:creationId xmlns:a16="http://schemas.microsoft.com/office/drawing/2014/main" id="{1FAF6B6E-862C-3E32-5745-96F84F707F39}"/>
-              </a:ext>
-            </a:extLst>
-          </p:cNvPr>
-          <p:cNvSpPr>
-            <a:spLocks noGrp="1"/>
-          </p:cNvSpPr>
-          <p:nvPr>
-            <p:ph type="sldNum" sz="quarter" idx="5"/>
-          </p:nvPr>
-        </p:nvSpPr>
-        <p:spPr/>
-        <p:txBody>
-          <a:bodyPr/>
-          <a:lstStyle/>
-          <a:p>
-            <a:fld id="{061BAA8C-FDC6-D345-B4E0-3B02449209FB}" type="slidenum">
-              <a:rPr lang="en-US" smtClean="0"/>
-              <a:t>7</a:t>
-            </a:fld>
-            <a:endParaRPr lang="en-US"/>
-          </a:p>
-        </p:txBody>
-      </p:sp>
-    </p:spTree>
-    <p:extLst>
-      <p:ext uri="{BB962C8B-B14F-4D97-AF65-F5344CB8AC3E}">
-        <p14:creationId xmlns:p14="http://schemas.microsoft.com/office/powerpoint/2010/main" val="2011803983"/>
-      </p:ext>
-    </p:extLst>
-  </p:cSld>
-  <p:clrMapOvr>
-    <a:masterClrMapping/>
-  </p:clrMapOvr>
-</p:notes>
-</file>
-
-<file path=ppt/notesSlides/notesSlide8.xml><?xml version="1.0" encoding="utf-8"?>
-<p:notes xmlns:a="http://schemas.openxmlformats.org/drawingml/2006/main" xmlns:r="http://schemas.openxmlformats.org/officeDocument/2006/relationships" xmlns:p="http://schemas.openxmlformats.org/presentationml/2006/main">
-  <p:cSld>
-    <p:spTree>
-      <p:nvGrpSpPr>
-        <p:cNvPr id="1" name="">
-          <a:extLst>
-            <a:ext uri="{FF2B5EF4-FFF2-40B4-BE49-F238E27FC236}">
-              <a16:creationId xmlns:a16="http://schemas.microsoft.com/office/drawing/2014/main" id="{FB1C3CA1-AC1F-8BE4-2805-A4F1205F0C42}"/>
-            </a:ext>
-          </a:extLst>
-        </p:cNvPr>
-        <p:cNvGrpSpPr/>
-        <p:nvPr/>
-      </p:nvGrpSpPr>
-      <p:grpSpPr>
-        <a:xfrm>
-          <a:off x="0" y="0"/>
-          <a:ext cx="0" cy="0"/>
-          <a:chOff x="0" y="0"/>
-          <a:chExt cx="0" cy="0"/>
-        </a:xfrm>
-      </p:grpSpPr>
-      <p:sp>
-        <p:nvSpPr>
-          <p:cNvPr id="2" name="Slide Image Placeholder 1">
-            <a:extLst>
-              <a:ext uri="{FF2B5EF4-FFF2-40B4-BE49-F238E27FC236}">
-                <a16:creationId xmlns:a16="http://schemas.microsoft.com/office/drawing/2014/main" id="{1ADAFAC8-2DE8-966A-2DCC-3BFEF79D7255}"/>
-              </a:ext>
-            </a:extLst>
-          </p:cNvPr>
-          <p:cNvSpPr>
-            <a:spLocks noGrp="1" noRot="1" noChangeAspect="1"/>
-          </p:cNvSpPr>
-          <p:nvPr>
-            <p:ph type="sldImg"/>
-          </p:nvPr>
-        </p:nvSpPr>
-        <p:spPr/>
-      </p:sp>
-      <p:sp>
-        <p:nvSpPr>
-          <p:cNvPr id="3" name="Notes Placeholder 2">
-            <a:extLst>
-              <a:ext uri="{FF2B5EF4-FFF2-40B4-BE49-F238E27FC236}">
-                <a16:creationId xmlns:a16="http://schemas.microsoft.com/office/drawing/2014/main" id="{F85DCFB9-536D-8FD9-B7AF-DBE7323C12A9}"/>
-              </a:ext>
-            </a:extLst>
-          </p:cNvPr>
-          <p:cNvSpPr>
-            <a:spLocks noGrp="1"/>
-          </p:cNvSpPr>
-          <p:nvPr>
-            <p:ph type="body" idx="1"/>
-          </p:nvPr>
-        </p:nvSpPr>
-        <p:spPr/>
-        <p:txBody>
-          <a:bodyPr/>
-          <a:lstStyle/>
           <a:p>
             <a:pPr marL="0" marR="0" lvl="0" indent="0" algn="l" defTabSz="914400" rtl="0" eaLnBrk="1" fontAlgn="auto" latinLnBrk="0" hangingPunct="1">
               <a:lnSpc>
@@ -2394,23 +2868,40 @@
               <a:tabLst/>
               <a:defRPr/>
             </a:pPr>
+            <a:endParaRPr lang="en-US" b="0" i="0" u="none" strike="noStrike" dirty="0">
+              <a:solidFill>
+                <a:srgbClr val="000000"/>
+              </a:solidFill>
+              <a:effectLst/>
+            </a:endParaRPr>
+          </a:p>
+          <a:p>
+            <a:pPr marL="0" marR="0" lvl="0" indent="0" algn="l" defTabSz="914400" rtl="0" eaLnBrk="1" fontAlgn="auto" latinLnBrk="0" hangingPunct="1">
+              <a:lnSpc>
+                <a:spcPct val="100000"/>
+              </a:lnSpc>
+              <a:spcBef>
+                <a:spcPts val="0"/>
+              </a:spcBef>
+              <a:spcAft>
+                <a:spcPts val="0"/>
+              </a:spcAft>
+              <a:buClrTx/>
+              <a:buSzTx/>
+              <a:buFont typeface="+mj-lt"/>
+              <a:buNone/>
+              <a:tabLst/>
+              <a:defRPr/>
+            </a:pPr>
             <a:r>
               <a:rPr lang="en-US" b="0" i="0" u="none" strike="noStrike" dirty="0">
                 <a:solidFill>
                   <a:srgbClr val="000000"/>
                 </a:solidFill>
                 <a:effectLst/>
-                <a:latin typeface="-webkit-standard"/>
               </a:rPr>
-              <a:t>Batch regressed out here</a:t>
-            </a:r>
-            <a:endParaRPr lang="en-US" b="0" i="0" u="none" strike="noStrike" dirty="0">
-              <a:solidFill>
-                <a:srgbClr val="212121"/>
-              </a:solidFill>
-              <a:effectLst/>
-              <a:latin typeface="Cambria" panose="02040503050406030204" pitchFamily="18" charset="0"/>
-            </a:endParaRPr>
+              <a:t>Not z-scored</a:t>
+            </a:r>
           </a:p>
         </p:txBody>
       </p:sp>
@@ -2419,7 +2910,7 @@
           <p:cNvPr id="4" name="Slide Number Placeholder 3">
             <a:extLst>
               <a:ext uri="{FF2B5EF4-FFF2-40B4-BE49-F238E27FC236}">
-                <a16:creationId xmlns:a16="http://schemas.microsoft.com/office/drawing/2014/main" id="{B9680E9C-1F96-8559-B160-6EEECC83B117}"/>
+                <a16:creationId xmlns:a16="http://schemas.microsoft.com/office/drawing/2014/main" id="{1FAF6B6E-862C-3E32-5745-96F84F707F39}"/>
               </a:ext>
             </a:extLst>
           </p:cNvPr>
@@ -2446,7 +2937,7 @@
     </p:spTree>
     <p:extLst>
       <p:ext uri="{BB962C8B-B14F-4D97-AF65-F5344CB8AC3E}">
-        <p14:creationId xmlns:p14="http://schemas.microsoft.com/office/powerpoint/2010/main" val="2421752668"/>
+        <p14:creationId xmlns:p14="http://schemas.microsoft.com/office/powerpoint/2010/main" val="2011803983"/>
       </p:ext>
     </p:extLst>
   </p:cSld>
@@ -2799,7 +3290,7 @@
           <a:p>
             <a:fld id="{80FC6068-BAFB-FC44-B9D8-F4B3BB105DE6}" type="datetimeFigureOut">
               <a:rPr lang="en-US" smtClean="0"/>
-              <a:t>11/1/24</a:t>
+              <a:t>11/5/24</a:t>
             </a:fld>
             <a:endParaRPr lang="en-US"/>
           </a:p>
@@ -2997,7 +3488,7 @@
           <a:p>
             <a:fld id="{80FC6068-BAFB-FC44-B9D8-F4B3BB105DE6}" type="datetimeFigureOut">
               <a:rPr lang="en-US" smtClean="0"/>
-              <a:t>11/1/24</a:t>
+              <a:t>11/5/24</a:t>
             </a:fld>
             <a:endParaRPr lang="en-US"/>
           </a:p>
@@ -3205,7 +3696,7 @@
           <a:p>
             <a:fld id="{80FC6068-BAFB-FC44-B9D8-F4B3BB105DE6}" type="datetimeFigureOut">
               <a:rPr lang="en-US" smtClean="0"/>
-              <a:t>11/1/24</a:t>
+              <a:t>11/5/24</a:t>
             </a:fld>
             <a:endParaRPr lang="en-US"/>
           </a:p>
@@ -3409,7 +3900,7 @@
           <a:p>
             <a:fld id="{80FC6068-BAFB-FC44-B9D8-F4B3BB105DE6}" type="datetimeFigureOut">
               <a:rPr lang="en-US" smtClean="0"/>
-              <a:t>11/1/24</a:t>
+              <a:t>11/5/24</a:t>
             </a:fld>
             <a:endParaRPr lang="en-US"/>
           </a:p>
@@ -3700,7 +4191,7 @@
           <a:p>
             <a:fld id="{80FC6068-BAFB-FC44-B9D8-F4B3BB105DE6}" type="datetimeFigureOut">
               <a:rPr lang="en-US" smtClean="0"/>
-              <a:t>11/1/24</a:t>
+              <a:t>11/5/24</a:t>
             </a:fld>
             <a:endParaRPr lang="en-US"/>
           </a:p>
@@ -3965,7 +4456,7 @@
           <a:p>
             <a:fld id="{80FC6068-BAFB-FC44-B9D8-F4B3BB105DE6}" type="datetimeFigureOut">
               <a:rPr lang="en-US" smtClean="0"/>
-              <a:t>11/1/24</a:t>
+              <a:t>11/5/24</a:t>
             </a:fld>
             <a:endParaRPr lang="en-US"/>
           </a:p>
@@ -4377,7 +4868,7 @@
           <a:p>
             <a:fld id="{80FC6068-BAFB-FC44-B9D8-F4B3BB105DE6}" type="datetimeFigureOut">
               <a:rPr lang="en-US" smtClean="0"/>
-              <a:t>11/1/24</a:t>
+              <a:t>11/5/24</a:t>
             </a:fld>
             <a:endParaRPr lang="en-US"/>
           </a:p>
@@ -4518,7 +5009,7 @@
           <a:p>
             <a:fld id="{80FC6068-BAFB-FC44-B9D8-F4B3BB105DE6}" type="datetimeFigureOut">
               <a:rPr lang="en-US" smtClean="0"/>
-              <a:t>11/1/24</a:t>
+              <a:t>11/5/24</a:t>
             </a:fld>
             <a:endParaRPr lang="en-US"/>
           </a:p>
@@ -4631,7 +5122,7 @@
           <a:p>
             <a:fld id="{80FC6068-BAFB-FC44-B9D8-F4B3BB105DE6}" type="datetimeFigureOut">
               <a:rPr lang="en-US" smtClean="0"/>
-              <a:t>11/1/24</a:t>
+              <a:t>11/5/24</a:t>
             </a:fld>
             <a:endParaRPr lang="en-US"/>
           </a:p>
@@ -4942,7 +5433,7 @@
           <a:p>
             <a:fld id="{80FC6068-BAFB-FC44-B9D8-F4B3BB105DE6}" type="datetimeFigureOut">
               <a:rPr lang="en-US" smtClean="0"/>
-              <a:t>11/1/24</a:t>
+              <a:t>11/5/24</a:t>
             </a:fld>
             <a:endParaRPr lang="en-US"/>
           </a:p>
@@ -5230,7 +5721,7 @@
           <a:p>
             <a:fld id="{80FC6068-BAFB-FC44-B9D8-F4B3BB105DE6}" type="datetimeFigureOut">
               <a:rPr lang="en-US" smtClean="0"/>
-              <a:t>11/1/24</a:t>
+              <a:t>11/5/24</a:t>
             </a:fld>
             <a:endParaRPr lang="en-US"/>
           </a:p>
@@ -5471,7 +5962,7 @@
           <a:p>
             <a:fld id="{80FC6068-BAFB-FC44-B9D8-F4B3BB105DE6}" type="datetimeFigureOut">
               <a:rPr lang="en-US" smtClean="0"/>
-              <a:t>11/1/24</a:t>
+              <a:t>11/5/24</a:t>
             </a:fld>
             <a:endParaRPr lang="en-US"/>
           </a:p>
@@ -6018,7 +6509,7 @@
         </p:spPr>
         <p:txBody>
           <a:bodyPr>
-            <a:normAutofit/>
+            <a:normAutofit fontScale="92500" lnSpcReduction="20000"/>
           </a:bodyPr>
           <a:lstStyle/>
           <a:p>
@@ -6028,7 +6519,7 @@
             </a:r>
             <a:r>
               <a:rPr lang="en-US" dirty="0"/>
-              <a:t> MT SNV data:</a:t>
+              <a:t> MT SNV data</a:t>
             </a:r>
           </a:p>
           <a:p>
@@ -6038,7 +6529,7 @@
             </a:pPr>
             <a:r>
               <a:rPr lang="en-US" dirty="0"/>
-              <a:t>unable to differentiate which is more parent among DN and non-exhausted CD127</a:t>
+              <a:t>from SNV sharing, unable to differentiate which is more parent among DN and non-exhausted CD127</a:t>
             </a:r>
             <a:r>
               <a:rPr lang="en-US" baseline="30000" dirty="0"/>
@@ -6081,6 +6572,20 @@
           <a:p>
             <a:r>
               <a:rPr lang="en-US" dirty="0"/>
+              <a:t>HC + untreated T1D: groups of cells later in </a:t>
+            </a:r>
+            <a:r>
+              <a:rPr lang="en-US" dirty="0" err="1"/>
+              <a:t>pseudotime</a:t>
+            </a:r>
+            <a:r>
+              <a:rPr lang="en-US" dirty="0"/>
+              <a:t> have less diverse TCRs (data not shown)</a:t>
+            </a:r>
+          </a:p>
+          <a:p>
+            <a:r>
+              <a:rPr lang="en-US" dirty="0"/>
               <a:t>NCI </a:t>
             </a:r>
             <a:r>
@@ -6096,15 +6601,7 @@
             </a:pPr>
             <a:r>
               <a:rPr lang="en-US" dirty="0"/>
-              <a:t>DP frequency does trend higher in non-</a:t>
-            </a:r>
-            <a:r>
-              <a:rPr lang="en-US" dirty="0" err="1"/>
-              <a:t>irAE</a:t>
-            </a:r>
-            <a:r>
-              <a:rPr lang="en-US" dirty="0"/>
-              <a:t> group</a:t>
+              <a:t>published results not always consistent in our data</a:t>
             </a:r>
           </a:p>
           <a:p>
@@ -6114,6 +6611,24 @@
             </a:pPr>
             <a:r>
               <a:rPr lang="en-US" dirty="0"/>
+              <a:t>DP frequency does trend higher in non-</a:t>
+            </a:r>
+            <a:r>
+              <a:rPr lang="en-US" dirty="0" err="1"/>
+              <a:t>irAE</a:t>
+            </a:r>
+            <a:r>
+              <a:rPr lang="en-US" dirty="0"/>
+              <a:t> group</a:t>
+            </a:r>
+          </a:p>
+          <a:p>
+            <a:pPr marL="914400" lvl="1" indent="-457200">
+              <a:buFont typeface="+mj-lt"/>
+              <a:buAutoNum type="arabicPeriod"/>
+            </a:pPr>
+            <a:r>
+              <a:rPr lang="en-US" dirty="0"/>
               <a:t>baseline cancer immunotypes from those with/without </a:t>
             </a:r>
             <a:r>
@@ -6122,7 +6637,23 @@
             </a:r>
             <a:r>
               <a:rPr lang="en-US" dirty="0"/>
-              <a:t> are very similar</a:t>
+              <a:t> are very similar (do not see strong enrichment of </a:t>
+            </a:r>
+            <a:r>
+              <a:rPr lang="en-US" dirty="0" err="1"/>
+              <a:t>irAE</a:t>
+            </a:r>
+            <a:r>
+              <a:rPr lang="en-US" dirty="0"/>
+              <a:t>/no </a:t>
+            </a:r>
+            <a:r>
+              <a:rPr lang="en-US" dirty="0" err="1"/>
+              <a:t>irAE</a:t>
+            </a:r>
+            <a:r>
+              <a:rPr lang="en-US" dirty="0"/>
+              <a:t> groups in clusters in PCA space, data not shown)</a:t>
             </a:r>
           </a:p>
         </p:txBody>
@@ -6258,7 +6789,97 @@
               <a:buFont typeface="+mj-lt"/>
               <a:buAutoNum type="arabicPeriod"/>
             </a:pPr>
+            <a:r>
+              <a:rPr lang="en-US" dirty="0"/>
+              <a:t>Compare CD127 expression between 2 progenitor clusters in T1DAL</a:t>
+            </a:r>
+          </a:p>
+          <a:p>
+            <a:pPr marL="514350" indent="-514350">
+              <a:buFont typeface="+mj-lt"/>
+              <a:buAutoNum type="arabicPeriod"/>
+            </a:pPr>
+            <a:r>
+              <a:rPr lang="en-US" dirty="0"/>
+              <a:t>NCI </a:t>
+            </a:r>
+            <a:r>
+              <a:rPr lang="en-US" dirty="0" err="1"/>
+              <a:t>irAE</a:t>
+            </a:r>
             <a:endParaRPr lang="en-US" dirty="0"/>
+          </a:p>
+          <a:p>
+            <a:pPr marL="971550" lvl="1" indent="-514350">
+              <a:buFont typeface="+mj-lt"/>
+              <a:buAutoNum type="romanUcPeriod"/>
+            </a:pPr>
+            <a:r>
+              <a:rPr lang="en-US" dirty="0"/>
+              <a:t>see if clusters in ICA space enriched for study group</a:t>
+            </a:r>
+          </a:p>
+          <a:p>
+            <a:pPr marL="971550" lvl="1" indent="-514350">
+              <a:buFont typeface="+mj-lt"/>
+              <a:buAutoNum type="romanUcPeriod"/>
+            </a:pPr>
+            <a:r>
+              <a:rPr lang="en-US" dirty="0"/>
+              <a:t>look for correlations between feature </a:t>
+            </a:r>
+            <a:r>
+              <a:rPr lang="en-US" dirty="0" err="1"/>
+              <a:t>freqs</a:t>
+            </a:r>
+            <a:r>
+              <a:rPr lang="en-US" dirty="0"/>
+              <a:t> and time to </a:t>
+            </a:r>
+            <a:r>
+              <a:rPr lang="en-US" dirty="0" err="1"/>
+              <a:t>irAE</a:t>
+            </a:r>
+            <a:r>
+              <a:rPr lang="en-US" dirty="0"/>
+              <a:t> onset</a:t>
+            </a:r>
+          </a:p>
+          <a:p>
+            <a:pPr marL="971550" lvl="1" indent="-514350">
+              <a:buFont typeface="+mj-lt"/>
+              <a:buAutoNum type="romanUcPeriod"/>
+            </a:pPr>
+            <a:r>
+              <a:rPr lang="en-US" dirty="0"/>
+              <a:t>summarize cohort info: time to treatment/</a:t>
+            </a:r>
+            <a:r>
+              <a:rPr lang="en-US" dirty="0" err="1"/>
+              <a:t>irAE</a:t>
+            </a:r>
+            <a:r>
+              <a:rPr lang="en-US" dirty="0"/>
+              <a:t>, previous therapy, </a:t>
+            </a:r>
+            <a:r>
+              <a:rPr lang="en-US" dirty="0" err="1"/>
+              <a:t>irAE</a:t>
+            </a:r>
+            <a:r>
+              <a:rPr lang="en-US" dirty="0"/>
+              <a:t> type…</a:t>
+            </a:r>
+          </a:p>
+          <a:p>
+            <a:pPr marL="971550" lvl="1" indent="-514350">
+              <a:buFont typeface="+mj-lt"/>
+              <a:buAutoNum type="romanUcPeriod"/>
+            </a:pPr>
+            <a:r>
+              <a:rPr lang="en-US" dirty="0"/>
+              <a:t>IMPACD</a:t>
+            </a:r>
           </a:p>
         </p:txBody>
       </p:sp>
@@ -6283,7 +6904,7 @@
         <p:cNvPr id="1" name="">
           <a:extLst>
             <a:ext uri="{FF2B5EF4-FFF2-40B4-BE49-F238E27FC236}">
-              <a16:creationId xmlns:a16="http://schemas.microsoft.com/office/drawing/2014/main" id="{17D769D9-0D87-68BD-22F3-2937DBD7745F}"/>
+              <a16:creationId xmlns:a16="http://schemas.microsoft.com/office/drawing/2014/main" id="{5046C790-F783-B3DB-6F79-8798CA6CBEA8}"/>
             </a:ext>
           </a:extLst>
         </p:cNvPr>
@@ -6300,10 +6921,214 @@
       </p:grpSpPr>
       <p:sp>
         <p:nvSpPr>
+          <p:cNvPr id="19" name="Title 18">
+            <a:extLst>
+              <a:ext uri="{FF2B5EF4-FFF2-40B4-BE49-F238E27FC236}">
+                <a16:creationId xmlns:a16="http://schemas.microsoft.com/office/drawing/2014/main" id="{54BE684E-4842-A241-E0EC-521B7CC2AE2B}"/>
+              </a:ext>
+            </a:extLst>
+          </p:cNvPr>
+          <p:cNvSpPr>
+            <a:spLocks noGrp="1"/>
+          </p:cNvSpPr>
+          <p:nvPr>
+            <p:ph type="title"/>
+          </p:nvPr>
+        </p:nvSpPr>
+        <p:spPr/>
+        <p:txBody>
+          <a:bodyPr/>
+          <a:lstStyle/>
+          <a:p>
+            <a:r>
+              <a:rPr lang="en-US" dirty="0"/>
+              <a:t>Baseline cancer immunotypes from those with/without </a:t>
+            </a:r>
+            <a:r>
+              <a:rPr lang="en-US" dirty="0" err="1"/>
+              <a:t>irAEs</a:t>
+            </a:r>
+            <a:r>
+              <a:rPr lang="en-US" dirty="0"/>
+              <a:t> very similar</a:t>
+            </a:r>
+          </a:p>
+        </p:txBody>
+      </p:sp>
+      <p:pic>
+        <p:nvPicPr>
+          <p:cNvPr id="10" name="Picture 9">
+            <a:extLst>
+              <a:ext uri="{FF2B5EF4-FFF2-40B4-BE49-F238E27FC236}">
+                <a16:creationId xmlns:a16="http://schemas.microsoft.com/office/drawing/2014/main" id="{7C35688B-500D-EFBA-50AE-4BD2FF3A0B05}"/>
+              </a:ext>
+            </a:extLst>
+          </p:cNvPr>
+          <p:cNvPicPr>
+            <a:picLocks noChangeAspect="1"/>
+          </p:cNvPicPr>
+          <p:nvPr/>
+        </p:nvPicPr>
+        <p:blipFill>
+          <a:blip r:embed="rId3"/>
+          <a:stretch>
+            <a:fillRect/>
+          </a:stretch>
+        </p:blipFill>
+        <p:spPr>
+          <a:xfrm>
+            <a:off x="1661561" y="1548991"/>
+            <a:ext cx="8868878" cy="5309009"/>
+          </a:xfrm>
+          <a:prstGeom prst="rect">
+            <a:avLst/>
+          </a:prstGeom>
+        </p:spPr>
+      </p:pic>
+    </p:spTree>
+    <p:extLst>
+      <p:ext uri="{BB962C8B-B14F-4D97-AF65-F5344CB8AC3E}">
+        <p14:creationId xmlns:p14="http://schemas.microsoft.com/office/powerpoint/2010/main" val="3968429549"/>
+      </p:ext>
+    </p:extLst>
+  </p:cSld>
+  <p:clrMapOvr>
+    <a:masterClrMapping/>
+  </p:clrMapOvr>
+</p:sld>
+</file>
+
+<file path=ppt/slides/slide13.xml><?xml version="1.0" encoding="utf-8"?>
+<p:sld xmlns:a="http://schemas.openxmlformats.org/drawingml/2006/main" xmlns:r="http://schemas.openxmlformats.org/officeDocument/2006/relationships" xmlns:p="http://schemas.openxmlformats.org/presentationml/2006/main">
+  <p:cSld>
+    <p:spTree>
+      <p:nvGrpSpPr>
+        <p:cNvPr id="1" name="">
+          <a:extLst>
+            <a:ext uri="{FF2B5EF4-FFF2-40B4-BE49-F238E27FC236}">
+              <a16:creationId xmlns:a16="http://schemas.microsoft.com/office/drawing/2014/main" id="{691FDFE8-30C1-A824-AF96-AE9CF49E448C}"/>
+            </a:ext>
+          </a:extLst>
+        </p:cNvPr>
+        <p:cNvGrpSpPr/>
+        <p:nvPr/>
+      </p:nvGrpSpPr>
+      <p:grpSpPr>
+        <a:xfrm>
+          <a:off x="0" y="0"/>
+          <a:ext cx="0" cy="0"/>
+          <a:chOff x="0" y="0"/>
+          <a:chExt cx="0" cy="0"/>
+        </a:xfrm>
+      </p:grpSpPr>
+      <p:sp>
+        <p:nvSpPr>
+          <p:cNvPr id="19" name="Title 18">
+            <a:extLst>
+              <a:ext uri="{FF2B5EF4-FFF2-40B4-BE49-F238E27FC236}">
+                <a16:creationId xmlns:a16="http://schemas.microsoft.com/office/drawing/2014/main" id="{1C18E9FB-ABC6-9C56-23C6-AD589C4D10EA}"/>
+              </a:ext>
+            </a:extLst>
+          </p:cNvPr>
+          <p:cNvSpPr>
+            <a:spLocks noGrp="1"/>
+          </p:cNvSpPr>
+          <p:nvPr>
+            <p:ph type="title"/>
+          </p:nvPr>
+        </p:nvSpPr>
+        <p:spPr/>
+        <p:txBody>
+          <a:bodyPr/>
+          <a:lstStyle/>
+          <a:p>
+            <a:r>
+              <a:rPr lang="en-US" dirty="0"/>
+              <a:t>HC + untreated T1D: groups of cells later in </a:t>
+            </a:r>
+            <a:r>
+              <a:rPr lang="en-US" dirty="0" err="1"/>
+              <a:t>pseudotime</a:t>
+            </a:r>
+            <a:r>
+              <a:rPr lang="en-US" dirty="0"/>
+              <a:t> have less diverse TCRs</a:t>
+            </a:r>
+          </a:p>
+        </p:txBody>
+      </p:sp>
+      <p:pic>
+        <p:nvPicPr>
+          <p:cNvPr id="5" name="Picture 4">
+            <a:extLst>
+              <a:ext uri="{FF2B5EF4-FFF2-40B4-BE49-F238E27FC236}">
+                <a16:creationId xmlns:a16="http://schemas.microsoft.com/office/drawing/2014/main" id="{2833CC1E-E7BF-CAA0-36C7-F079A6C7D7F0}"/>
+              </a:ext>
+            </a:extLst>
+          </p:cNvPr>
+          <p:cNvPicPr>
+            <a:picLocks noChangeAspect="1"/>
+          </p:cNvPicPr>
+          <p:nvPr/>
+        </p:nvPicPr>
+        <p:blipFill>
+          <a:blip r:embed="rId3"/>
+          <a:stretch>
+            <a:fillRect/>
+          </a:stretch>
+        </p:blipFill>
+        <p:spPr>
+          <a:xfrm>
+            <a:off x="1836576" y="1651915"/>
+            <a:ext cx="8305800" cy="5206085"/>
+          </a:xfrm>
+          <a:prstGeom prst="rect">
+            <a:avLst/>
+          </a:prstGeom>
+        </p:spPr>
+      </p:pic>
+    </p:spTree>
+    <p:extLst>
+      <p:ext uri="{BB962C8B-B14F-4D97-AF65-F5344CB8AC3E}">
+        <p14:creationId xmlns:p14="http://schemas.microsoft.com/office/powerpoint/2010/main" val="3436008722"/>
+      </p:ext>
+    </p:extLst>
+  </p:cSld>
+  <p:clrMapOvr>
+    <a:masterClrMapping/>
+  </p:clrMapOvr>
+</p:sld>
+</file>
+
+<file path=ppt/slides/slide14.xml><?xml version="1.0" encoding="utf-8"?>
+<p:sld xmlns:a="http://schemas.openxmlformats.org/drawingml/2006/main" xmlns:r="http://schemas.openxmlformats.org/officeDocument/2006/relationships" xmlns:p="http://schemas.openxmlformats.org/presentationml/2006/main">
+  <p:cSld>
+    <p:spTree>
+      <p:nvGrpSpPr>
+        <p:cNvPr id="1" name="">
+          <a:extLst>
+            <a:ext uri="{FF2B5EF4-FFF2-40B4-BE49-F238E27FC236}">
+              <a16:creationId xmlns:a16="http://schemas.microsoft.com/office/drawing/2014/main" id="{C59DDFA8-9904-C688-8E5C-AF8DA11DE454}"/>
+            </a:ext>
+          </a:extLst>
+        </p:cNvPr>
+        <p:cNvGrpSpPr/>
+        <p:nvPr/>
+      </p:nvGrpSpPr>
+      <p:grpSpPr>
+        <a:xfrm>
+          <a:off x="0" y="0"/>
+          <a:ext cx="0" cy="0"/>
+          <a:chOff x="0" y="0"/>
+          <a:chExt cx="0" cy="0"/>
+        </a:xfrm>
+      </p:grpSpPr>
+      <p:sp>
+        <p:nvSpPr>
           <p:cNvPr id="2" name="Title 1">
             <a:extLst>
               <a:ext uri="{FF2B5EF4-FFF2-40B4-BE49-F238E27FC236}">
-                <a16:creationId xmlns:a16="http://schemas.microsoft.com/office/drawing/2014/main" id="{6E5F8A46-A4F5-595D-9BCD-23690DF5785C}"/>
+                <a16:creationId xmlns:a16="http://schemas.microsoft.com/office/drawing/2014/main" id="{3A96643C-38CB-74E1-63E5-8736304CF4E1}"/>
               </a:ext>
             </a:extLst>
           </p:cNvPr>
@@ -6338,7 +7163,7 @@
           <p:cNvPr id="8" name="Picture 7">
             <a:extLst>
               <a:ext uri="{FF2B5EF4-FFF2-40B4-BE49-F238E27FC236}">
-                <a16:creationId xmlns:a16="http://schemas.microsoft.com/office/drawing/2014/main" id="{A1A5AF11-2928-75A9-F046-56996DB8A299}"/>
+                <a16:creationId xmlns:a16="http://schemas.microsoft.com/office/drawing/2014/main" id="{47EA13D9-7723-CDDA-BCE0-03FF93469918}"/>
               </a:ext>
             </a:extLst>
           </p:cNvPr>
@@ -6368,7 +7193,7 @@
           <p:cNvPr id="13" name="Picture 12">
             <a:extLst>
               <a:ext uri="{FF2B5EF4-FFF2-40B4-BE49-F238E27FC236}">
-                <a16:creationId xmlns:a16="http://schemas.microsoft.com/office/drawing/2014/main" id="{94BC50D3-DE5A-F382-819C-F19830F3606C}"/>
+                <a16:creationId xmlns:a16="http://schemas.microsoft.com/office/drawing/2014/main" id="{C9BC7CF9-B516-6C08-9C37-6C6E26DBCCAA}"/>
               </a:ext>
             </a:extLst>
           </p:cNvPr>
@@ -6398,7 +7223,7 @@
           <p:cNvPr id="15" name="TextBox 14">
             <a:extLst>
               <a:ext uri="{FF2B5EF4-FFF2-40B4-BE49-F238E27FC236}">
-                <a16:creationId xmlns:a16="http://schemas.microsoft.com/office/drawing/2014/main" id="{30B672DA-0AB2-051E-FE1F-6C4605CBDDC8}"/>
+                <a16:creationId xmlns:a16="http://schemas.microsoft.com/office/drawing/2014/main" id="{16C9BABD-795C-4175-C318-1C17E526ECC2}"/>
               </a:ext>
             </a:extLst>
           </p:cNvPr>
@@ -6443,7 +7268,7 @@
     </p:spTree>
     <p:extLst>
       <p:ext uri="{BB962C8B-B14F-4D97-AF65-F5344CB8AC3E}">
-        <p14:creationId xmlns:p14="http://schemas.microsoft.com/office/powerpoint/2010/main" val="4028601557"/>
+        <p14:creationId xmlns:p14="http://schemas.microsoft.com/office/powerpoint/2010/main" val="487081536"/>
       </p:ext>
     </p:extLst>
   </p:cSld>
@@ -6620,39 +7445,6 @@
           <a:chExt cx="0" cy="0"/>
         </a:xfrm>
       </p:grpSpPr>
-      <p:sp>
-        <p:nvSpPr>
-          <p:cNvPr id="19" name="Title 18">
-            <a:extLst>
-              <a:ext uri="{FF2B5EF4-FFF2-40B4-BE49-F238E27FC236}">
-                <a16:creationId xmlns:a16="http://schemas.microsoft.com/office/drawing/2014/main" id="{2E1D3897-0B4F-3F71-986E-0E74B181F848}"/>
-              </a:ext>
-            </a:extLst>
-          </p:cNvPr>
-          <p:cNvSpPr>
-            <a:spLocks noGrp="1"/>
-          </p:cNvSpPr>
-          <p:nvPr>
-            <p:ph type="title"/>
-          </p:nvPr>
-        </p:nvSpPr>
-        <p:spPr/>
-        <p:txBody>
-          <a:bodyPr/>
-          <a:lstStyle/>
-          <a:p>
-            <a:r>
-              <a:rPr lang="en-US" dirty="0"/>
-              <a:t>Unable to differentiate which is more parent among DN and non-exhausted CD127</a:t>
-            </a:r>
-            <a:r>
-              <a:rPr lang="en-US" baseline="30000" dirty="0"/>
-              <a:t>+</a:t>
-            </a:r>
-            <a:endParaRPr lang="en-US" dirty="0"/>
-          </a:p>
-        </p:txBody>
-      </p:sp>
       <p:pic>
         <p:nvPicPr>
           <p:cNvPr id="4" name="Picture 3">
@@ -6683,6 +7475,39 @@
           </a:prstGeom>
         </p:spPr>
       </p:pic>
+      <p:sp>
+        <p:nvSpPr>
+          <p:cNvPr id="19" name="Title 18">
+            <a:extLst>
+              <a:ext uri="{FF2B5EF4-FFF2-40B4-BE49-F238E27FC236}">
+                <a16:creationId xmlns:a16="http://schemas.microsoft.com/office/drawing/2014/main" id="{2E1D3897-0B4F-3F71-986E-0E74B181F848}"/>
+              </a:ext>
+            </a:extLst>
+          </p:cNvPr>
+          <p:cNvSpPr>
+            <a:spLocks noGrp="1"/>
+          </p:cNvSpPr>
+          <p:nvPr>
+            <p:ph type="title"/>
+          </p:nvPr>
+        </p:nvSpPr>
+        <p:spPr/>
+        <p:txBody>
+          <a:bodyPr/>
+          <a:lstStyle/>
+          <a:p>
+            <a:r>
+              <a:rPr lang="en-US" dirty="0"/>
+              <a:t>Based on SNV sharing, unable to differentiate which is more parent among DN and non-exhausted CD127</a:t>
+            </a:r>
+            <a:r>
+              <a:rPr lang="en-US" baseline="30000" dirty="0"/>
+              <a:t>+</a:t>
+            </a:r>
+            <a:endParaRPr lang="en-US" dirty="0"/>
+          </a:p>
+        </p:txBody>
+      </p:sp>
       <p:sp>
         <p:nvSpPr>
           <p:cNvPr id="5" name="Rectangle 4">
@@ -7264,6 +8089,141 @@
         <p:cNvPr id="1" name="">
           <a:extLst>
             <a:ext uri="{FF2B5EF4-FFF2-40B4-BE49-F238E27FC236}">
+              <a16:creationId xmlns:a16="http://schemas.microsoft.com/office/drawing/2014/main" id="{17D769D9-0D87-68BD-22F3-2937DBD7745F}"/>
+            </a:ext>
+          </a:extLst>
+        </p:cNvPr>
+        <p:cNvGrpSpPr/>
+        <p:nvPr/>
+      </p:nvGrpSpPr>
+      <p:grpSpPr>
+        <a:xfrm>
+          <a:off x="0" y="0"/>
+          <a:ext cx="0" cy="0"/>
+          <a:chOff x="0" y="0"/>
+          <a:chExt cx="0" cy="0"/>
+        </a:xfrm>
+      </p:grpSpPr>
+      <p:sp>
+        <p:nvSpPr>
+          <p:cNvPr id="2" name="Title 1">
+            <a:extLst>
+              <a:ext uri="{FF2B5EF4-FFF2-40B4-BE49-F238E27FC236}">
+                <a16:creationId xmlns:a16="http://schemas.microsoft.com/office/drawing/2014/main" id="{6E5F8A46-A4F5-595D-9BCD-23690DF5785C}"/>
+              </a:ext>
+            </a:extLst>
+          </p:cNvPr>
+          <p:cNvSpPr>
+            <a:spLocks noGrp="1"/>
+          </p:cNvSpPr>
+          <p:nvPr>
+            <p:ph type="title"/>
+          </p:nvPr>
+        </p:nvSpPr>
+        <p:spPr>
+          <a:xfrm>
+            <a:off x="838200" y="593725"/>
+            <a:ext cx="10515600" cy="1325563"/>
+          </a:xfrm>
+        </p:spPr>
+        <p:txBody>
+          <a:bodyPr>
+            <a:normAutofit/>
+          </a:bodyPr>
+          <a:lstStyle/>
+          <a:p>
+            <a:r>
+              <a:rPr lang="en-US" dirty="0" err="1"/>
+              <a:t>AbATE</a:t>
+            </a:r>
+            <a:r>
+              <a:rPr lang="en-US" dirty="0"/>
+              <a:t> PCAs revisited</a:t>
+            </a:r>
+          </a:p>
+        </p:txBody>
+      </p:sp>
+      <p:pic>
+        <p:nvPicPr>
+          <p:cNvPr id="6" name="Picture 5">
+            <a:extLst>
+              <a:ext uri="{FF2B5EF4-FFF2-40B4-BE49-F238E27FC236}">
+                <a16:creationId xmlns:a16="http://schemas.microsoft.com/office/drawing/2014/main" id="{97544B26-FC01-85FE-B48D-DA72E5D9ED43}"/>
+              </a:ext>
+            </a:extLst>
+          </p:cNvPr>
+          <p:cNvPicPr>
+            <a:picLocks noChangeAspect="1"/>
+          </p:cNvPicPr>
+          <p:nvPr/>
+        </p:nvPicPr>
+        <p:blipFill>
+          <a:blip r:embed="rId3"/>
+          <a:stretch>
+            <a:fillRect/>
+          </a:stretch>
+        </p:blipFill>
+        <p:spPr>
+          <a:xfrm>
+            <a:off x="34129" y="2648672"/>
+            <a:ext cx="6061871" cy="3470071"/>
+          </a:xfrm>
+          <a:prstGeom prst="rect">
+            <a:avLst/>
+          </a:prstGeom>
+        </p:spPr>
+      </p:pic>
+      <p:pic>
+        <p:nvPicPr>
+          <p:cNvPr id="7" name="Picture 6">
+            <a:extLst>
+              <a:ext uri="{FF2B5EF4-FFF2-40B4-BE49-F238E27FC236}">
+                <a16:creationId xmlns:a16="http://schemas.microsoft.com/office/drawing/2014/main" id="{B9CC01CA-011C-4735-932D-4E3275F20A26}"/>
+              </a:ext>
+            </a:extLst>
+          </p:cNvPr>
+          <p:cNvPicPr>
+            <a:picLocks noChangeAspect="1"/>
+          </p:cNvPicPr>
+          <p:nvPr/>
+        </p:nvPicPr>
+        <p:blipFill>
+          <a:blip r:embed="rId4"/>
+          <a:stretch>
+            <a:fillRect/>
+          </a:stretch>
+        </p:blipFill>
+        <p:spPr>
+          <a:xfrm>
+            <a:off x="6130128" y="2640562"/>
+            <a:ext cx="6061872" cy="3478181"/>
+          </a:xfrm>
+          <a:prstGeom prst="rect">
+            <a:avLst/>
+          </a:prstGeom>
+        </p:spPr>
+      </p:pic>
+    </p:spTree>
+    <p:extLst>
+      <p:ext uri="{BB962C8B-B14F-4D97-AF65-F5344CB8AC3E}">
+        <p14:creationId xmlns:p14="http://schemas.microsoft.com/office/powerpoint/2010/main" val="2116603092"/>
+      </p:ext>
+    </p:extLst>
+  </p:cSld>
+  <p:clrMapOvr>
+    <a:masterClrMapping/>
+  </p:clrMapOvr>
+</p:sld>
+</file>
+
+<file path=ppt/slides/slide7.xml><?xml version="1.0" encoding="utf-8"?>
+<p:sld xmlns:a="http://schemas.openxmlformats.org/drawingml/2006/main" xmlns:r="http://schemas.openxmlformats.org/officeDocument/2006/relationships" xmlns:p="http://schemas.openxmlformats.org/presentationml/2006/main">
+  <p:cSld>
+    <p:spTree>
+      <p:nvGrpSpPr>
+        <p:cNvPr id="1" name="">
+          <a:extLst>
+            <a:ext uri="{FF2B5EF4-FFF2-40B4-BE49-F238E27FC236}">
               <a16:creationId xmlns:a16="http://schemas.microsoft.com/office/drawing/2014/main" id="{E115479A-FF1F-F4C8-B48E-3E0D41EA89E9}"/>
             </a:ext>
           </a:extLst>
@@ -7279,40 +8239,12 @@
           <a:chExt cx="0" cy="0"/>
         </a:xfrm>
       </p:grpSpPr>
-      <p:sp>
-        <p:nvSpPr>
-          <p:cNvPr id="19" name="Title 18">
-            <a:extLst>
-              <a:ext uri="{FF2B5EF4-FFF2-40B4-BE49-F238E27FC236}">
-                <a16:creationId xmlns:a16="http://schemas.microsoft.com/office/drawing/2014/main" id="{617EB424-8F78-46F1-32BE-0B66D4BF58EC}"/>
-              </a:ext>
-            </a:extLst>
-          </p:cNvPr>
-          <p:cNvSpPr>
-            <a:spLocks noGrp="1"/>
-          </p:cNvSpPr>
-          <p:nvPr>
-            <p:ph type="title"/>
-          </p:nvPr>
-        </p:nvSpPr>
-        <p:spPr/>
-        <p:txBody>
-          <a:bodyPr/>
-          <a:lstStyle/>
-          <a:p>
-            <a:r>
-              <a:rPr lang="en-US" dirty="0"/>
-              <a:t>Literature-driven feature analysis</a:t>
-            </a:r>
-          </a:p>
-        </p:txBody>
-      </p:sp>
       <p:pic>
         <p:nvPicPr>
-          <p:cNvPr id="11" name="Picture 10">
-            <a:extLst>
-              <a:ext uri="{FF2B5EF4-FFF2-40B4-BE49-F238E27FC236}">
-                <a16:creationId xmlns:a16="http://schemas.microsoft.com/office/drawing/2014/main" id="{95DAC970-9DFD-47C4-6314-864AC456C4DF}"/>
+          <p:cNvPr id="6" name="Picture 5">
+            <a:extLst>
+              <a:ext uri="{FF2B5EF4-FFF2-40B4-BE49-F238E27FC236}">
+                <a16:creationId xmlns:a16="http://schemas.microsoft.com/office/drawing/2014/main" id="{AE66A568-EF39-7813-53E5-B3674C344D6F}"/>
               </a:ext>
             </a:extLst>
           </p:cNvPr>
@@ -7329,14 +8261,188 @@
         </p:blipFill>
         <p:spPr>
           <a:xfrm>
-            <a:off x="1160644" y="1779234"/>
-            <a:ext cx="10193155" cy="5011389"/>
+            <a:off x="905034" y="1650425"/>
+            <a:ext cx="9873344" cy="4842449"/>
           </a:xfrm>
           <a:prstGeom prst="rect">
             <a:avLst/>
           </a:prstGeom>
         </p:spPr>
       </p:pic>
+      <p:sp>
+        <p:nvSpPr>
+          <p:cNvPr id="19" name="Title 18">
+            <a:extLst>
+              <a:ext uri="{FF2B5EF4-FFF2-40B4-BE49-F238E27FC236}">
+                <a16:creationId xmlns:a16="http://schemas.microsoft.com/office/drawing/2014/main" id="{617EB424-8F78-46F1-32BE-0B66D4BF58EC}"/>
+              </a:ext>
+            </a:extLst>
+          </p:cNvPr>
+          <p:cNvSpPr>
+            <a:spLocks noGrp="1"/>
+          </p:cNvSpPr>
+          <p:nvPr>
+            <p:ph type="title"/>
+          </p:nvPr>
+        </p:nvSpPr>
+        <p:spPr/>
+        <p:txBody>
+          <a:bodyPr/>
+          <a:lstStyle/>
+          <a:p>
+            <a:r>
+              <a:rPr lang="en-US" dirty="0"/>
+              <a:t>Literature-driven feature analysis</a:t>
+            </a:r>
+          </a:p>
+        </p:txBody>
+      </p:sp>
+      <p:sp>
+        <p:nvSpPr>
+          <p:cNvPr id="2" name="TextBox 1">
+            <a:extLst>
+              <a:ext uri="{FF2B5EF4-FFF2-40B4-BE49-F238E27FC236}">
+                <a16:creationId xmlns:a16="http://schemas.microsoft.com/office/drawing/2014/main" id="{E4755904-CFBF-83EA-DE68-BF4A40B87184}"/>
+              </a:ext>
+            </a:extLst>
+          </p:cNvPr>
+          <p:cNvSpPr txBox="1"/>
+          <p:nvPr/>
+        </p:nvSpPr>
+        <p:spPr>
+          <a:xfrm>
+            <a:off x="289249" y="6169709"/>
+            <a:ext cx="2141099" cy="646331"/>
+          </a:xfrm>
+          <a:prstGeom prst="rect">
+            <a:avLst/>
+          </a:prstGeom>
+          <a:noFill/>
+        </p:spPr>
+        <p:txBody>
+          <a:bodyPr wrap="none" rtlCol="0">
+            <a:spAutoFit/>
+          </a:bodyPr>
+          <a:lstStyle/>
+          <a:p>
+            <a:r>
+              <a:rPr lang="en-US" dirty="0"/>
+              <a:t>Trending in expected</a:t>
+            </a:r>
+          </a:p>
+          <a:p>
+            <a:r>
+              <a:rPr lang="en-US" dirty="0"/>
+              <a:t>direction?</a:t>
+            </a:r>
+          </a:p>
+        </p:txBody>
+      </p:sp>
+      <p:sp>
+        <p:nvSpPr>
+          <p:cNvPr id="3" name="TextBox 2">
+            <a:extLst>
+              <a:ext uri="{FF2B5EF4-FFF2-40B4-BE49-F238E27FC236}">
+                <a16:creationId xmlns:a16="http://schemas.microsoft.com/office/drawing/2014/main" id="{923AC6D8-D312-7AE8-31F7-D1FD949D70E1}"/>
+              </a:ext>
+            </a:extLst>
+          </p:cNvPr>
+          <p:cNvSpPr txBox="1"/>
+          <p:nvPr/>
+        </p:nvSpPr>
+        <p:spPr>
+          <a:xfrm>
+            <a:off x="3614058" y="6308208"/>
+            <a:ext cx="485518" cy="369332"/>
+          </a:xfrm>
+          <a:prstGeom prst="rect">
+            <a:avLst/>
+          </a:prstGeom>
+          <a:noFill/>
+        </p:spPr>
+        <p:txBody>
+          <a:bodyPr wrap="none" rtlCol="0">
+            <a:spAutoFit/>
+          </a:bodyPr>
+          <a:lstStyle/>
+          <a:p>
+            <a:r>
+              <a:rPr lang="en-US" dirty="0"/>
+              <a:t>Yes</a:t>
+            </a:r>
+          </a:p>
+        </p:txBody>
+      </p:sp>
+      <p:sp>
+        <p:nvSpPr>
+          <p:cNvPr id="4" name="TextBox 3">
+            <a:extLst>
+              <a:ext uri="{FF2B5EF4-FFF2-40B4-BE49-F238E27FC236}">
+                <a16:creationId xmlns:a16="http://schemas.microsoft.com/office/drawing/2014/main" id="{E42AE1A5-6229-33A8-576F-A9798B085035}"/>
+              </a:ext>
+            </a:extLst>
+          </p:cNvPr>
+          <p:cNvSpPr txBox="1"/>
+          <p:nvPr/>
+        </p:nvSpPr>
+        <p:spPr>
+          <a:xfrm>
+            <a:off x="5660574" y="6308208"/>
+            <a:ext cx="455574" cy="369332"/>
+          </a:xfrm>
+          <a:prstGeom prst="rect">
+            <a:avLst/>
+          </a:prstGeom>
+          <a:noFill/>
+        </p:spPr>
+        <p:txBody>
+          <a:bodyPr wrap="none" rtlCol="0">
+            <a:spAutoFit/>
+          </a:bodyPr>
+          <a:lstStyle/>
+          <a:p>
+            <a:r>
+              <a:rPr lang="en-US" dirty="0"/>
+              <a:t>No</a:t>
+            </a:r>
+          </a:p>
+        </p:txBody>
+      </p:sp>
+      <p:sp>
+        <p:nvSpPr>
+          <p:cNvPr id="5" name="TextBox 4">
+            <a:extLst>
+              <a:ext uri="{FF2B5EF4-FFF2-40B4-BE49-F238E27FC236}">
+                <a16:creationId xmlns:a16="http://schemas.microsoft.com/office/drawing/2014/main" id="{5E23DFD8-622F-9B77-8CB4-CB2AF4FE338C}"/>
+              </a:ext>
+            </a:extLst>
+          </p:cNvPr>
+          <p:cNvSpPr txBox="1"/>
+          <p:nvPr/>
+        </p:nvSpPr>
+        <p:spPr>
+          <a:xfrm>
+            <a:off x="7660435" y="6308208"/>
+            <a:ext cx="485518" cy="369332"/>
+          </a:xfrm>
+          <a:prstGeom prst="rect">
+            <a:avLst/>
+          </a:prstGeom>
+          <a:noFill/>
+        </p:spPr>
+        <p:txBody>
+          <a:bodyPr wrap="none" rtlCol="0">
+            <a:spAutoFit/>
+          </a:bodyPr>
+          <a:lstStyle/>
+          <a:p>
+            <a:r>
+              <a:rPr lang="en-US" dirty="0"/>
+              <a:t>Yes</a:t>
+            </a:r>
+          </a:p>
+        </p:txBody>
+      </p:sp>
     </p:spTree>
     <p:extLst>
       <p:ext uri="{BB962C8B-B14F-4D97-AF65-F5344CB8AC3E}">
@@ -7350,7 +8456,7 @@
 </p:sld>
 </file>
 
-<file path=ppt/slides/slide7.xml><?xml version="1.0" encoding="utf-8"?>
+<file path=ppt/slides/slide8.xml><?xml version="1.0" encoding="utf-8"?>
 <p:sld xmlns:a="http://schemas.openxmlformats.org/drawingml/2006/main" xmlns:r="http://schemas.openxmlformats.org/officeDocument/2006/relationships" xmlns:p="http://schemas.openxmlformats.org/presentationml/2006/main">
   <p:cSld>
     <p:spTree>
@@ -7452,108 +8558,6 @@
 </p:sld>
 </file>
 
-<file path=ppt/slides/slide8.xml><?xml version="1.0" encoding="utf-8"?>
-<p:sld xmlns:a="http://schemas.openxmlformats.org/drawingml/2006/main" xmlns:r="http://schemas.openxmlformats.org/officeDocument/2006/relationships" xmlns:p="http://schemas.openxmlformats.org/presentationml/2006/main">
-  <p:cSld>
-    <p:spTree>
-      <p:nvGrpSpPr>
-        <p:cNvPr id="1" name="">
-          <a:extLst>
-            <a:ext uri="{FF2B5EF4-FFF2-40B4-BE49-F238E27FC236}">
-              <a16:creationId xmlns:a16="http://schemas.microsoft.com/office/drawing/2014/main" id="{5046C790-F783-B3DB-6F79-8798CA6CBEA8}"/>
-            </a:ext>
-          </a:extLst>
-        </p:cNvPr>
-        <p:cNvGrpSpPr/>
-        <p:nvPr/>
-      </p:nvGrpSpPr>
-      <p:grpSpPr>
-        <a:xfrm>
-          <a:off x="0" y="0"/>
-          <a:ext cx="0" cy="0"/>
-          <a:chOff x="0" y="0"/>
-          <a:chExt cx="0" cy="0"/>
-        </a:xfrm>
-      </p:grpSpPr>
-      <p:sp>
-        <p:nvSpPr>
-          <p:cNvPr id="19" name="Title 18">
-            <a:extLst>
-              <a:ext uri="{FF2B5EF4-FFF2-40B4-BE49-F238E27FC236}">
-                <a16:creationId xmlns:a16="http://schemas.microsoft.com/office/drawing/2014/main" id="{54BE684E-4842-A241-E0EC-521B7CC2AE2B}"/>
-              </a:ext>
-            </a:extLst>
-          </p:cNvPr>
-          <p:cNvSpPr>
-            <a:spLocks noGrp="1"/>
-          </p:cNvSpPr>
-          <p:nvPr>
-            <p:ph type="title"/>
-          </p:nvPr>
-        </p:nvSpPr>
-        <p:spPr/>
-        <p:txBody>
-          <a:bodyPr/>
-          <a:lstStyle/>
-          <a:p>
-            <a:r>
-              <a:rPr lang="en-US" dirty="0"/>
-              <a:t>Baseline cancer immunotypes from those with/without </a:t>
-            </a:r>
-            <a:r>
-              <a:rPr lang="en-US" dirty="0" err="1"/>
-              <a:t>irAEs</a:t>
-            </a:r>
-            <a:r>
-              <a:rPr lang="en-US" dirty="0"/>
-              <a:t> very similar</a:t>
-            </a:r>
-          </a:p>
-        </p:txBody>
-      </p:sp>
-      <p:pic>
-        <p:nvPicPr>
-          <p:cNvPr id="10" name="Picture 9">
-            <a:extLst>
-              <a:ext uri="{FF2B5EF4-FFF2-40B4-BE49-F238E27FC236}">
-                <a16:creationId xmlns:a16="http://schemas.microsoft.com/office/drawing/2014/main" id="{7C35688B-500D-EFBA-50AE-4BD2FF3A0B05}"/>
-              </a:ext>
-            </a:extLst>
-          </p:cNvPr>
-          <p:cNvPicPr>
-            <a:picLocks noChangeAspect="1"/>
-          </p:cNvPicPr>
-          <p:nvPr/>
-        </p:nvPicPr>
-        <p:blipFill>
-          <a:blip r:embed="rId3"/>
-          <a:stretch>
-            <a:fillRect/>
-          </a:stretch>
-        </p:blipFill>
-        <p:spPr>
-          <a:xfrm>
-            <a:off x="1661561" y="1548991"/>
-            <a:ext cx="8868878" cy="5309009"/>
-          </a:xfrm>
-          <a:prstGeom prst="rect">
-            <a:avLst/>
-          </a:prstGeom>
-        </p:spPr>
-      </p:pic>
-    </p:spTree>
-    <p:extLst>
-      <p:ext uri="{BB962C8B-B14F-4D97-AF65-F5344CB8AC3E}">
-        <p14:creationId xmlns:p14="http://schemas.microsoft.com/office/powerpoint/2010/main" val="10109601"/>
-      </p:ext>
-    </p:extLst>
-  </p:cSld>
-  <p:clrMapOvr>
-    <a:masterClrMapping/>
-  </p:clrMapOvr>
-</p:sld>
-</file>
-
 <file path=ppt/slides/slide9.xml><?xml version="1.0" encoding="utf-8"?>
 <p:sld xmlns:a="http://schemas.openxmlformats.org/drawingml/2006/main" xmlns:r="http://schemas.openxmlformats.org/officeDocument/2006/relationships" xmlns:p="http://schemas.openxmlformats.org/presentationml/2006/main">
   <p:cSld>
@@ -7635,8 +8639,8 @@
         </p:blipFill>
         <p:spPr>
           <a:xfrm>
-            <a:off x="464961" y="2204185"/>
-            <a:ext cx="4674930" cy="4657087"/>
+            <a:off x="119729" y="2267339"/>
+            <a:ext cx="3680980" cy="3666931"/>
           </a:xfrm>
           <a:prstGeom prst="rect">
             <a:avLst/>
@@ -7665,8 +8669,8 @@
         </p:blipFill>
         <p:spPr>
           <a:xfrm>
-            <a:off x="6533032" y="2204185"/>
-            <a:ext cx="4820768" cy="4653815"/>
+            <a:off x="3933919" y="2260795"/>
+            <a:ext cx="3795812" cy="3664355"/>
           </a:xfrm>
           <a:prstGeom prst="rect">
             <a:avLst/>
@@ -7687,7 +8691,7 @@
         </p:nvSpPr>
         <p:spPr>
           <a:xfrm>
-            <a:off x="2387066" y="1834853"/>
+            <a:off x="1528650" y="1890352"/>
             <a:ext cx="1246175" cy="369332"/>
           </a:xfrm>
           <a:prstGeom prst="rect">
@@ -7722,7 +8726,7 @@
         </p:nvSpPr>
         <p:spPr>
           <a:xfrm>
-            <a:off x="8395132" y="1834853"/>
+            <a:off x="5189529" y="1890352"/>
             <a:ext cx="1512594" cy="369332"/>
           </a:xfrm>
           <a:prstGeom prst="rect">
@@ -7739,6 +8743,71 @@
             <a:r>
               <a:rPr lang="en-US" dirty="0"/>
               <a:t>Top 6 features</a:t>
+            </a:r>
+          </a:p>
+        </p:txBody>
+      </p:sp>
+      <p:pic>
+        <p:nvPicPr>
+          <p:cNvPr id="8" name="Picture 7">
+            <a:extLst>
+              <a:ext uri="{FF2B5EF4-FFF2-40B4-BE49-F238E27FC236}">
+                <a16:creationId xmlns:a16="http://schemas.microsoft.com/office/drawing/2014/main" id="{67419AF7-5B0F-F535-8A8D-8EB473FB929B}"/>
+              </a:ext>
+            </a:extLst>
+          </p:cNvPr>
+          <p:cNvPicPr>
+            <a:picLocks noChangeAspect="1"/>
+          </p:cNvPicPr>
+          <p:nvPr/>
+        </p:nvPicPr>
+        <p:blipFill>
+          <a:blip r:embed="rId5"/>
+          <a:stretch>
+            <a:fillRect/>
+          </a:stretch>
+        </p:blipFill>
+        <p:spPr>
+          <a:xfrm>
+            <a:off x="7729731" y="2591182"/>
+            <a:ext cx="4393163" cy="2813166"/>
+          </a:xfrm>
+          <a:prstGeom prst="rect">
+            <a:avLst/>
+          </a:prstGeom>
+        </p:spPr>
+      </p:pic>
+      <p:sp>
+        <p:nvSpPr>
+          <p:cNvPr id="9" name="TextBox 8">
+            <a:extLst>
+              <a:ext uri="{FF2B5EF4-FFF2-40B4-BE49-F238E27FC236}">
+                <a16:creationId xmlns:a16="http://schemas.microsoft.com/office/drawing/2014/main" id="{3EF93428-79AF-EDD0-B967-9F3A2334F52B}"/>
+              </a:ext>
+            </a:extLst>
+          </p:cNvPr>
+          <p:cNvSpPr txBox="1"/>
+          <p:nvPr/>
+        </p:nvSpPr>
+        <p:spPr>
+          <a:xfrm>
+            <a:off x="9638522" y="2689141"/>
+            <a:ext cx="396262" cy="369332"/>
+          </a:xfrm>
+          <a:prstGeom prst="rect">
+            <a:avLst/>
+          </a:prstGeom>
+          <a:noFill/>
+        </p:spPr>
+        <p:txBody>
+          <a:bodyPr wrap="none" rtlCol="0">
+            <a:spAutoFit/>
+          </a:bodyPr>
+          <a:lstStyle/>
+          <a:p>
+            <a:r>
+              <a:rPr lang="en-US" dirty="0"/>
+              <a:t>ns</a:t>
             </a:r>
           </a:p>
         </p:txBody>

--- a/presentations/weekly_meetings/2024_11_7.pptx
+++ b/presentations/weekly_meetings/2024_11_7.pptx
@@ -221,7 +221,7 @@
           <a:p>
             <a:fld id="{E933A773-0DCE-3544-BB67-D5FA58DF903C}" type="datetimeFigureOut">
               <a:rPr lang="en-US" smtClean="0"/>
-              <a:t>11/5/24</a:t>
+              <a:t>11/7/24</a:t>
             </a:fld>
             <a:endParaRPr lang="en-US"/>
           </a:p>
@@ -3290,7 +3290,7 @@
           <a:p>
             <a:fld id="{80FC6068-BAFB-FC44-B9D8-F4B3BB105DE6}" type="datetimeFigureOut">
               <a:rPr lang="en-US" smtClean="0"/>
-              <a:t>11/5/24</a:t>
+              <a:t>11/7/24</a:t>
             </a:fld>
             <a:endParaRPr lang="en-US"/>
           </a:p>
@@ -3488,7 +3488,7 @@
           <a:p>
             <a:fld id="{80FC6068-BAFB-FC44-B9D8-F4B3BB105DE6}" type="datetimeFigureOut">
               <a:rPr lang="en-US" smtClean="0"/>
-              <a:t>11/5/24</a:t>
+              <a:t>11/7/24</a:t>
             </a:fld>
             <a:endParaRPr lang="en-US"/>
           </a:p>
@@ -3696,7 +3696,7 @@
           <a:p>
             <a:fld id="{80FC6068-BAFB-FC44-B9D8-F4B3BB105DE6}" type="datetimeFigureOut">
               <a:rPr lang="en-US" smtClean="0"/>
-              <a:t>11/5/24</a:t>
+              <a:t>11/7/24</a:t>
             </a:fld>
             <a:endParaRPr lang="en-US"/>
           </a:p>
@@ -3900,7 +3900,7 @@
           <a:p>
             <a:fld id="{80FC6068-BAFB-FC44-B9D8-F4B3BB105DE6}" type="datetimeFigureOut">
               <a:rPr lang="en-US" smtClean="0"/>
-              <a:t>11/5/24</a:t>
+              <a:t>11/7/24</a:t>
             </a:fld>
             <a:endParaRPr lang="en-US"/>
           </a:p>
@@ -4191,7 +4191,7 @@
           <a:p>
             <a:fld id="{80FC6068-BAFB-FC44-B9D8-F4B3BB105DE6}" type="datetimeFigureOut">
               <a:rPr lang="en-US" smtClean="0"/>
-              <a:t>11/5/24</a:t>
+              <a:t>11/7/24</a:t>
             </a:fld>
             <a:endParaRPr lang="en-US"/>
           </a:p>
@@ -4456,7 +4456,7 @@
           <a:p>
             <a:fld id="{80FC6068-BAFB-FC44-B9D8-F4B3BB105DE6}" type="datetimeFigureOut">
               <a:rPr lang="en-US" smtClean="0"/>
-              <a:t>11/5/24</a:t>
+              <a:t>11/7/24</a:t>
             </a:fld>
             <a:endParaRPr lang="en-US"/>
           </a:p>
@@ -4868,7 +4868,7 @@
           <a:p>
             <a:fld id="{80FC6068-BAFB-FC44-B9D8-F4B3BB105DE6}" type="datetimeFigureOut">
               <a:rPr lang="en-US" smtClean="0"/>
-              <a:t>11/5/24</a:t>
+              <a:t>11/7/24</a:t>
             </a:fld>
             <a:endParaRPr lang="en-US"/>
           </a:p>
@@ -5009,7 +5009,7 @@
           <a:p>
             <a:fld id="{80FC6068-BAFB-FC44-B9D8-F4B3BB105DE6}" type="datetimeFigureOut">
               <a:rPr lang="en-US" smtClean="0"/>
-              <a:t>11/5/24</a:t>
+              <a:t>11/7/24</a:t>
             </a:fld>
             <a:endParaRPr lang="en-US"/>
           </a:p>
@@ -5122,7 +5122,7 @@
           <a:p>
             <a:fld id="{80FC6068-BAFB-FC44-B9D8-F4B3BB105DE6}" type="datetimeFigureOut">
               <a:rPr lang="en-US" smtClean="0"/>
-              <a:t>11/5/24</a:t>
+              <a:t>11/7/24</a:t>
             </a:fld>
             <a:endParaRPr lang="en-US"/>
           </a:p>
@@ -5433,7 +5433,7 @@
           <a:p>
             <a:fld id="{80FC6068-BAFB-FC44-B9D8-F4B3BB105DE6}" type="datetimeFigureOut">
               <a:rPr lang="en-US" smtClean="0"/>
-              <a:t>11/5/24</a:t>
+              <a:t>11/7/24</a:t>
             </a:fld>
             <a:endParaRPr lang="en-US"/>
           </a:p>
@@ -5721,7 +5721,7 @@
           <a:p>
             <a:fld id="{80FC6068-BAFB-FC44-B9D8-F4B3BB105DE6}" type="datetimeFigureOut">
               <a:rPr lang="en-US" smtClean="0"/>
-              <a:t>11/5/24</a:t>
+              <a:t>11/7/24</a:t>
             </a:fld>
             <a:endParaRPr lang="en-US"/>
           </a:p>
@@ -5962,7 +5962,7 @@
           <a:p>
             <a:fld id="{80FC6068-BAFB-FC44-B9D8-F4B3BB105DE6}" type="datetimeFigureOut">
               <a:rPr lang="en-US" smtClean="0"/>
-              <a:t>11/5/24</a:t>
+              <a:t>11/7/24</a:t>
             </a:fld>
             <a:endParaRPr lang="en-US"/>
           </a:p>
@@ -6509,7 +6509,7 @@
         </p:spPr>
         <p:txBody>
           <a:bodyPr>
-            <a:normAutofit fontScale="92500" lnSpcReduction="20000"/>
+            <a:normAutofit fontScale="85000" lnSpcReduction="20000"/>
           </a:bodyPr>
           <a:lstStyle/>
           <a:p>
@@ -6653,7 +6653,33 @@
             </a:r>
             <a:r>
               <a:rPr lang="en-US" dirty="0"/>
-              <a:t> groups in clusters in PCA space, data not shown)</a:t>
+              <a:t> groups in clusters in ICA/PCA space, data not shown)</a:t>
+            </a:r>
+          </a:p>
+          <a:p>
+            <a:pPr marL="914400" lvl="1" indent="-457200">
+              <a:buFont typeface="+mj-lt"/>
+              <a:buAutoNum type="arabicPeriod"/>
+            </a:pPr>
+            <a:r>
+              <a:rPr lang="en-US" dirty="0"/>
+              <a:t>no correlations between feature </a:t>
+            </a:r>
+            <a:r>
+              <a:rPr lang="en-US" dirty="0" err="1"/>
+              <a:t>freqs</a:t>
+            </a:r>
+            <a:r>
+              <a:rPr lang="en-US" dirty="0"/>
+              <a:t> and time to </a:t>
+            </a:r>
+            <a:r>
+              <a:rPr lang="en-US" dirty="0" err="1"/>
+              <a:t>irAE</a:t>
+            </a:r>
+            <a:r>
+              <a:rPr lang="en-US" dirty="0"/>
+              <a:t> onset (data not shown)</a:t>
             </a:r>
           </a:p>
         </p:txBody>
@@ -6791,7 +6817,7 @@
             </a:pPr>
             <a:r>
               <a:rPr lang="en-US" dirty="0"/>
-              <a:t>Compare CD127 expression between 2 progenitor clusters in T1DAL</a:t>
+              <a:t>Shubham caption help</a:t>
             </a:r>
           </a:p>
           <a:p>
@@ -6801,6 +6827,16 @@
             </a:pPr>
             <a:r>
               <a:rPr lang="en-US" dirty="0"/>
+              <a:t>T1DAL: compare CD127 expression between 2 progenitor clusters</a:t>
+            </a:r>
+          </a:p>
+          <a:p>
+            <a:pPr marL="514350" indent="-514350">
+              <a:buFont typeface="+mj-lt"/>
+              <a:buAutoNum type="arabicPeriod"/>
+            </a:pPr>
+            <a:r>
+              <a:rPr lang="en-US" dirty="0"/>
               <a:t>NCI </a:t>
             </a:r>
             <a:r>
@@ -6812,69 +6848,33 @@
           <a:p>
             <a:pPr marL="971550" lvl="1" indent="-514350">
               <a:buFont typeface="+mj-lt"/>
-              <a:buAutoNum type="romanUcPeriod"/>
+              <a:buAutoNum type="alphaLcParenR"/>
             </a:pPr>
             <a:r>
               <a:rPr lang="en-US" dirty="0"/>
-              <a:t>see if clusters in ICA space enriched for study group</a:t>
+              <a:t>summarize cohort info: time to treatment/</a:t>
+            </a:r>
+            <a:r>
+              <a:rPr lang="en-US" dirty="0" err="1"/>
+              <a:t>irAE</a:t>
+            </a:r>
+            <a:r>
+              <a:rPr lang="en-US" dirty="0"/>
+              <a:t>, previous therapy, </a:t>
+            </a:r>
+            <a:r>
+              <a:rPr lang="en-US" dirty="0" err="1"/>
+              <a:t>irAE</a:t>
+            </a:r>
+            <a:r>
+              <a:rPr lang="en-US" dirty="0"/>
+              <a:t> type…</a:t>
             </a:r>
           </a:p>
           <a:p>
             <a:pPr marL="971550" lvl="1" indent="-514350">
               <a:buFont typeface="+mj-lt"/>
-              <a:buAutoNum type="romanUcPeriod"/>
-            </a:pPr>
-            <a:r>
-              <a:rPr lang="en-US" dirty="0"/>
-              <a:t>look for correlations between feature </a:t>
-            </a:r>
-            <a:r>
-              <a:rPr lang="en-US" dirty="0" err="1"/>
-              <a:t>freqs</a:t>
-            </a:r>
-            <a:r>
-              <a:rPr lang="en-US" dirty="0"/>
-              <a:t> and time to </a:t>
-            </a:r>
-            <a:r>
-              <a:rPr lang="en-US" dirty="0" err="1"/>
-              <a:t>irAE</a:t>
-            </a:r>
-            <a:r>
-              <a:rPr lang="en-US" dirty="0"/>
-              <a:t> onset</a:t>
-            </a:r>
-          </a:p>
-          <a:p>
-            <a:pPr marL="971550" lvl="1" indent="-514350">
-              <a:buFont typeface="+mj-lt"/>
-              <a:buAutoNum type="romanUcPeriod"/>
-            </a:pPr>
-            <a:r>
-              <a:rPr lang="en-US" dirty="0"/>
-              <a:t>summarize cohort info: time to treatment/</a:t>
-            </a:r>
-            <a:r>
-              <a:rPr lang="en-US" dirty="0" err="1"/>
-              <a:t>irAE</a:t>
-            </a:r>
-            <a:r>
-              <a:rPr lang="en-US" dirty="0"/>
-              <a:t>, previous therapy, </a:t>
-            </a:r>
-            <a:r>
-              <a:rPr lang="en-US" dirty="0" err="1"/>
-              <a:t>irAE</a:t>
-            </a:r>
-            <a:r>
-              <a:rPr lang="en-US" dirty="0"/>
-              <a:t> type…</a:t>
-            </a:r>
-          </a:p>
-          <a:p>
-            <a:pPr marL="971550" lvl="1" indent="-514350">
-              <a:buFont typeface="+mj-lt"/>
-              <a:buAutoNum type="romanUcPeriod"/>
+              <a:buAutoNum type="alphaLcParenR"/>
             </a:pPr>
             <a:r>
               <a:rPr lang="en-US" dirty="0"/>

--- a/presentations/weekly_meetings/2024_11_7.pptx
+++ b/presentations/weekly_meetings/2024_11_7.pptx
@@ -221,7 +221,7 @@
           <a:p>
             <a:fld id="{E933A773-0DCE-3544-BB67-D5FA58DF903C}" type="datetimeFigureOut">
               <a:rPr lang="en-US" smtClean="0"/>
-              <a:t>11/7/24</a:t>
+              <a:t>12/2/24</a:t>
             </a:fld>
             <a:endParaRPr lang="en-US"/>
           </a:p>
@@ -2504,8 +2504,25 @@
                 <a:effectLst/>
                 <a:latin typeface="-webkit-standard"/>
               </a:rPr>
-              <a:t> (which ~changed CD38 interpretation a bit maybe)</a:t>
-            </a:r>
+              <a:t> (which ~changed CD38 interpretation a </a:t>
+            </a:r>
+            <a:r>
+              <a:rPr lang="en-US" b="0" i="0" u="none" strike="noStrike">
+                <a:solidFill>
+                  <a:srgbClr val="000000"/>
+                </a:solidFill>
+                <a:effectLst/>
+                <a:latin typeface="-webkit-standard"/>
+              </a:rPr>
+              <a:t>bit maybe)</a:t>
+            </a:r>
+            <a:endParaRPr lang="en-US" b="0" i="0" u="none" strike="noStrike" dirty="0">
+              <a:solidFill>
+                <a:srgbClr val="000000"/>
+              </a:solidFill>
+              <a:effectLst/>
+              <a:latin typeface="-webkit-standard"/>
+            </a:endParaRPr>
           </a:p>
         </p:txBody>
       </p:sp>
@@ -3290,7 +3307,7 @@
           <a:p>
             <a:fld id="{80FC6068-BAFB-FC44-B9D8-F4B3BB105DE6}" type="datetimeFigureOut">
               <a:rPr lang="en-US" smtClean="0"/>
-              <a:t>11/7/24</a:t>
+              <a:t>12/2/24</a:t>
             </a:fld>
             <a:endParaRPr lang="en-US"/>
           </a:p>
@@ -3488,7 +3505,7 @@
           <a:p>
             <a:fld id="{80FC6068-BAFB-FC44-B9D8-F4B3BB105DE6}" type="datetimeFigureOut">
               <a:rPr lang="en-US" smtClean="0"/>
-              <a:t>11/7/24</a:t>
+              <a:t>12/2/24</a:t>
             </a:fld>
             <a:endParaRPr lang="en-US"/>
           </a:p>
@@ -3696,7 +3713,7 @@
           <a:p>
             <a:fld id="{80FC6068-BAFB-FC44-B9D8-F4B3BB105DE6}" type="datetimeFigureOut">
               <a:rPr lang="en-US" smtClean="0"/>
-              <a:t>11/7/24</a:t>
+              <a:t>12/2/24</a:t>
             </a:fld>
             <a:endParaRPr lang="en-US"/>
           </a:p>
@@ -3900,7 +3917,7 @@
           <a:p>
             <a:fld id="{80FC6068-BAFB-FC44-B9D8-F4B3BB105DE6}" type="datetimeFigureOut">
               <a:rPr lang="en-US" smtClean="0"/>
-              <a:t>11/7/24</a:t>
+              <a:t>12/2/24</a:t>
             </a:fld>
             <a:endParaRPr lang="en-US"/>
           </a:p>
@@ -4191,7 +4208,7 @@
           <a:p>
             <a:fld id="{80FC6068-BAFB-FC44-B9D8-F4B3BB105DE6}" type="datetimeFigureOut">
               <a:rPr lang="en-US" smtClean="0"/>
-              <a:t>11/7/24</a:t>
+              <a:t>12/2/24</a:t>
             </a:fld>
             <a:endParaRPr lang="en-US"/>
           </a:p>
@@ -4456,7 +4473,7 @@
           <a:p>
             <a:fld id="{80FC6068-BAFB-FC44-B9D8-F4B3BB105DE6}" type="datetimeFigureOut">
               <a:rPr lang="en-US" smtClean="0"/>
-              <a:t>11/7/24</a:t>
+              <a:t>12/2/24</a:t>
             </a:fld>
             <a:endParaRPr lang="en-US"/>
           </a:p>
@@ -4868,7 +4885,7 @@
           <a:p>
             <a:fld id="{80FC6068-BAFB-FC44-B9D8-F4B3BB105DE6}" type="datetimeFigureOut">
               <a:rPr lang="en-US" smtClean="0"/>
-              <a:t>11/7/24</a:t>
+              <a:t>12/2/24</a:t>
             </a:fld>
             <a:endParaRPr lang="en-US"/>
           </a:p>
@@ -5009,7 +5026,7 @@
           <a:p>
             <a:fld id="{80FC6068-BAFB-FC44-B9D8-F4B3BB105DE6}" type="datetimeFigureOut">
               <a:rPr lang="en-US" smtClean="0"/>
-              <a:t>11/7/24</a:t>
+              <a:t>12/2/24</a:t>
             </a:fld>
             <a:endParaRPr lang="en-US"/>
           </a:p>
@@ -5122,7 +5139,7 @@
           <a:p>
             <a:fld id="{80FC6068-BAFB-FC44-B9D8-F4B3BB105DE6}" type="datetimeFigureOut">
               <a:rPr lang="en-US" smtClean="0"/>
-              <a:t>11/7/24</a:t>
+              <a:t>12/2/24</a:t>
             </a:fld>
             <a:endParaRPr lang="en-US"/>
           </a:p>
@@ -5433,7 +5450,7 @@
           <a:p>
             <a:fld id="{80FC6068-BAFB-FC44-B9D8-F4B3BB105DE6}" type="datetimeFigureOut">
               <a:rPr lang="en-US" smtClean="0"/>
-              <a:t>11/7/24</a:t>
+              <a:t>12/2/24</a:t>
             </a:fld>
             <a:endParaRPr lang="en-US"/>
           </a:p>
@@ -5721,7 +5738,7 @@
           <a:p>
             <a:fld id="{80FC6068-BAFB-FC44-B9D8-F4B3BB105DE6}" type="datetimeFigureOut">
               <a:rPr lang="en-US" smtClean="0"/>
-              <a:t>11/7/24</a:t>
+              <a:t>12/2/24</a:t>
             </a:fld>
             <a:endParaRPr lang="en-US"/>
           </a:p>
@@ -5962,7 +5979,7 @@
           <a:p>
             <a:fld id="{80FC6068-BAFB-FC44-B9D8-F4B3BB105DE6}" type="datetimeFigureOut">
               <a:rPr lang="en-US" smtClean="0"/>
-              <a:t>11/7/24</a:t>
+              <a:t>12/2/24</a:t>
             </a:fld>
             <a:endParaRPr lang="en-US"/>
           </a:p>
